--- a/202305XX EAD Update.pptx
+++ b/202305XX EAD Update.pptx
@@ -8,6 +8,7 @@
     <p:sldId id="256" r:id="rId2"/>
     <p:sldId id="259" r:id="rId3"/>
     <p:sldId id="258" r:id="rId4"/>
+    <p:sldId id="260" r:id="rId5"/>
   </p:sldIdLst>
   <p:sldSz cx="12192000" cy="6858000"/>
   <p:notesSz cx="6858000" cy="9144000"/>
@@ -3424,17 +3425,34 @@
         </p:nvSpPr>
         <p:spPr>
           <a:xfrm>
-            <a:off x="89647" y="365125"/>
-            <a:ext cx="11264153" cy="1325563"/>
+            <a:off x="1" y="365125"/>
+            <a:ext cx="11353800" cy="1325563"/>
           </a:xfrm>
         </p:spPr>
         <p:txBody>
-          <a:bodyPr/>
-          <a:lstStyle/>
-          <a:p>
-            <a:r>
-              <a:rPr lang="en-US" dirty="0"/>
-              <a:t>Trends captured, but NFM at low Cs is too short</a:t>
+          <a:bodyPr>
+            <a:normAutofit/>
+          </a:bodyPr>
+          <a:lstStyle/>
+          <a:p>
+            <a:r>
+              <a:rPr lang="en-US" sz="3600" dirty="0"/>
+              <a:t>Although the height for </a:t>
+            </a:r>
+            <a:r>
+              <a:rPr lang="en-US" sz="3600" dirty="0" err="1"/>
+              <a:t>pNFM</a:t>
+            </a:r>
+            <a:r>
+              <a:rPr lang="en-US" sz="3600" dirty="0"/>
+              <a:t> is too short for low Cs, </a:t>
+            </a:r>
+            <a:br>
+              <a:rPr lang="en-US" sz="3600" dirty="0"/>
+            </a:br>
+            <a:r>
+              <a:rPr lang="en-US" sz="3600" dirty="0"/>
+              <a:t>these curves seems to be the best fit </a:t>
             </a:r>
           </a:p>
         </p:txBody>
@@ -3468,8 +3486,8 @@
         </p:blipFill>
         <p:spPr bwMode="auto">
           <a:xfrm>
-            <a:off x="464625" y="2268071"/>
-            <a:ext cx="6310216" cy="3799864"/>
+            <a:off x="2329283" y="2232212"/>
+            <a:ext cx="6875929" cy="4140523"/>
           </a:xfrm>
           <a:prstGeom prst="rect">
             <a:avLst/>
@@ -3546,7 +3564,15 @@
           <a:p>
             <a:r>
               <a:rPr lang="en-US" dirty="0"/>
-              <a:t>Analysis of other b and v values: </a:t>
+              <a:t>Analysis of other b and v values for </a:t>
+            </a:r>
+            <a:r>
+              <a:rPr lang="en-US" dirty="0" err="1"/>
+              <a:t>pNFM</a:t>
+            </a:r>
+            <a:r>
+              <a:rPr lang="en-US" dirty="0"/>
+              <a:t>: </a:t>
             </a:r>
             <a:br>
               <a:rPr lang="en-US" dirty="0"/>
@@ -3916,6 +3942,392 @@
     <p:extLst>
       <p:ext uri="{BB962C8B-B14F-4D97-AF65-F5344CB8AC3E}">
         <p14:creationId xmlns:p14="http://schemas.microsoft.com/office/powerpoint/2010/main" val="3362252395"/>
+      </p:ext>
+    </p:extLst>
+  </p:cSld>
+  <p:clrMapOvr>
+    <a:masterClrMapping/>
+  </p:clrMapOvr>
+</p:sld>
+</file>
+
+<file path=ppt/slides/slide4.xml><?xml version="1.0" encoding="utf-8"?>
+<p:sld xmlns:a="http://schemas.openxmlformats.org/drawingml/2006/main" xmlns:r="http://schemas.openxmlformats.org/officeDocument/2006/relationships" xmlns:p="http://schemas.openxmlformats.org/presentationml/2006/main">
+  <p:cSld>
+    <p:spTree>
+      <p:nvGrpSpPr>
+        <p:cNvPr id="1" name=""/>
+        <p:cNvGrpSpPr/>
+        <p:nvPr/>
+      </p:nvGrpSpPr>
+      <p:grpSpPr>
+        <a:xfrm>
+          <a:off x="0" y="0"/>
+          <a:ext cx="0" cy="0"/>
+          <a:chOff x="0" y="0"/>
+          <a:chExt cx="0" cy="0"/>
+        </a:xfrm>
+      </p:grpSpPr>
+      <p:sp>
+        <p:nvSpPr>
+          <p:cNvPr id="2" name="Title 1">
+            <a:extLst>
+              <a:ext uri="{FF2B5EF4-FFF2-40B4-BE49-F238E27FC236}">
+                <a16:creationId xmlns:a16="http://schemas.microsoft.com/office/drawing/2014/main" id="{180F5EFB-CA41-E26A-462D-33445146A1AF}"/>
+              </a:ext>
+            </a:extLst>
+          </p:cNvPr>
+          <p:cNvSpPr>
+            <a:spLocks noGrp="1"/>
+          </p:cNvSpPr>
+          <p:nvPr>
+            <p:ph type="title"/>
+          </p:nvPr>
+        </p:nvSpPr>
+        <p:spPr>
+          <a:xfrm>
+            <a:off x="0" y="365125"/>
+            <a:ext cx="11353800" cy="1325563"/>
+          </a:xfrm>
+        </p:spPr>
+        <p:txBody>
+          <a:bodyPr>
+            <a:normAutofit/>
+          </a:bodyPr>
+          <a:lstStyle/>
+          <a:p>
+            <a:r>
+              <a:rPr lang="en-US" sz="3600" dirty="0"/>
+              <a:t>Changing coarse-graining procedure makes little difference </a:t>
+            </a:r>
+          </a:p>
+        </p:txBody>
+      </p:sp>
+      <p:grpSp>
+        <p:nvGrpSpPr>
+          <p:cNvPr id="10" name="Group 9">
+            <a:extLst>
+              <a:ext uri="{FF2B5EF4-FFF2-40B4-BE49-F238E27FC236}">
+                <a16:creationId xmlns:a16="http://schemas.microsoft.com/office/drawing/2014/main" id="{972D47C7-17E0-889A-F638-9312C7683B5C}"/>
+              </a:ext>
+            </a:extLst>
+          </p:cNvPr>
+          <p:cNvGrpSpPr/>
+          <p:nvPr/>
+        </p:nvGrpSpPr>
+        <p:grpSpPr>
+          <a:xfrm>
+            <a:off x="161364" y="2299946"/>
+            <a:ext cx="5497606" cy="3034482"/>
+            <a:chOff x="179294" y="1914463"/>
+            <a:chExt cx="5497606" cy="3034482"/>
+          </a:xfrm>
+        </p:grpSpPr>
+        <p:pic>
+          <p:nvPicPr>
+            <p:cNvPr id="5" name="Picture 4">
+              <a:extLst>
+                <a:ext uri="{FF2B5EF4-FFF2-40B4-BE49-F238E27FC236}">
+                  <a16:creationId xmlns:a16="http://schemas.microsoft.com/office/drawing/2014/main" id="{690474EA-C295-5281-D1BD-30D9E0384ABA}"/>
+                </a:ext>
+              </a:extLst>
+            </p:cNvPr>
+            <p:cNvPicPr>
+              <a:picLocks noChangeAspect="1" noChangeArrowheads="1"/>
+            </p:cNvPicPr>
+            <p:nvPr/>
+          </p:nvPicPr>
+          <p:blipFill>
+            <a:blip r:embed="rId2">
+              <a:extLst>
+                <a:ext uri="{28A0092B-C50C-407E-A947-70E740481C1C}">
+                  <a14:useLocalDpi xmlns:a14="http://schemas.microsoft.com/office/drawing/2010/main" val="0"/>
+                </a:ext>
+              </a:extLst>
+            </a:blip>
+            <a:srcRect/>
+            <a:stretch>
+              <a:fillRect/>
+            </a:stretch>
+          </p:blipFill>
+          <p:spPr bwMode="auto">
+            <a:xfrm>
+              <a:off x="1134879" y="1914463"/>
+              <a:ext cx="4542021" cy="1237867"/>
+            </a:xfrm>
+            <a:prstGeom prst="rect">
+              <a:avLst/>
+            </a:prstGeom>
+            <a:noFill/>
+            <a:extLst>
+              <a:ext uri="{909E8E84-426E-40DD-AFC4-6F175D3DCCD1}">
+                <a14:hiddenFill xmlns:a14="http://schemas.microsoft.com/office/drawing/2010/main">
+                  <a:solidFill>
+                    <a:srgbClr val="FFFFFF"/>
+                  </a:solidFill>
+                </a14:hiddenFill>
+              </a:ext>
+            </a:extLst>
+          </p:spPr>
+        </p:pic>
+        <p:pic>
+          <p:nvPicPr>
+            <p:cNvPr id="3" name="Picture 2">
+              <a:extLst>
+                <a:ext uri="{FF2B5EF4-FFF2-40B4-BE49-F238E27FC236}">
+                  <a16:creationId xmlns:a16="http://schemas.microsoft.com/office/drawing/2014/main" id="{EFFBD3B3-4C9A-ADA5-D845-48AACD221E83}"/>
+                </a:ext>
+              </a:extLst>
+            </p:cNvPr>
+            <p:cNvPicPr>
+              <a:picLocks noChangeAspect="1" noChangeArrowheads="1"/>
+            </p:cNvPicPr>
+            <p:nvPr/>
+          </p:nvPicPr>
+          <p:blipFill>
+            <a:blip r:embed="rId3">
+              <a:extLst>
+                <a:ext uri="{28A0092B-C50C-407E-A947-70E740481C1C}">
+                  <a14:useLocalDpi xmlns:a14="http://schemas.microsoft.com/office/drawing/2010/main" val="0"/>
+                </a:ext>
+              </a:extLst>
+            </a:blip>
+            <a:srcRect/>
+            <a:stretch>
+              <a:fillRect/>
+            </a:stretch>
+          </p:blipFill>
+          <p:spPr bwMode="auto">
+            <a:xfrm>
+              <a:off x="1134879" y="2721438"/>
+              <a:ext cx="4542021" cy="1510179"/>
+            </a:xfrm>
+            <a:prstGeom prst="rect">
+              <a:avLst/>
+            </a:prstGeom>
+            <a:noFill/>
+            <a:extLst>
+              <a:ext uri="{909E8E84-426E-40DD-AFC4-6F175D3DCCD1}">
+                <a14:hiddenFill xmlns:a14="http://schemas.microsoft.com/office/drawing/2010/main">
+                  <a:solidFill>
+                    <a:srgbClr val="FFFFFF"/>
+                  </a:solidFill>
+                </a14:hiddenFill>
+              </a:ext>
+            </a:extLst>
+          </p:spPr>
+        </p:pic>
+        <p:pic>
+          <p:nvPicPr>
+            <p:cNvPr id="6" name="Picture 4">
+              <a:extLst>
+                <a:ext uri="{FF2B5EF4-FFF2-40B4-BE49-F238E27FC236}">
+                  <a16:creationId xmlns:a16="http://schemas.microsoft.com/office/drawing/2014/main" id="{E9CC6C9E-800B-A4C5-7598-1B9C1DF74697}"/>
+                </a:ext>
+              </a:extLst>
+            </p:cNvPr>
+            <p:cNvPicPr>
+              <a:picLocks noChangeAspect="1" noChangeArrowheads="1"/>
+            </p:cNvPicPr>
+            <p:nvPr/>
+          </p:nvPicPr>
+          <p:blipFill>
+            <a:blip r:embed="rId4">
+              <a:extLst>
+                <a:ext uri="{28A0092B-C50C-407E-A947-70E740481C1C}">
+                  <a14:useLocalDpi xmlns:a14="http://schemas.microsoft.com/office/drawing/2010/main" val="0"/>
+                </a:ext>
+              </a:extLst>
+            </a:blip>
+            <a:srcRect/>
+            <a:stretch>
+              <a:fillRect/>
+            </a:stretch>
+          </p:blipFill>
+          <p:spPr bwMode="auto">
+            <a:xfrm>
+              <a:off x="1134879" y="3711078"/>
+              <a:ext cx="4542021" cy="1237867"/>
+            </a:xfrm>
+            <a:prstGeom prst="rect">
+              <a:avLst/>
+            </a:prstGeom>
+            <a:noFill/>
+            <a:extLst>
+              <a:ext uri="{909E8E84-426E-40DD-AFC4-6F175D3DCCD1}">
+                <a14:hiddenFill xmlns:a14="http://schemas.microsoft.com/office/drawing/2010/main">
+                  <a:solidFill>
+                    <a:srgbClr val="FFFFFF"/>
+                  </a:solidFill>
+                </a14:hiddenFill>
+              </a:ext>
+            </a:extLst>
+          </p:spPr>
+        </p:pic>
+        <p:cxnSp>
+          <p:nvCxnSpPr>
+            <p:cNvPr id="8" name="Straight Arrow Connector 7">
+              <a:extLst>
+                <a:ext uri="{FF2B5EF4-FFF2-40B4-BE49-F238E27FC236}">
+                  <a16:creationId xmlns:a16="http://schemas.microsoft.com/office/drawing/2014/main" id="{E592714A-7ED6-78BC-54AA-62E40D7F5E5A}"/>
+                </a:ext>
+              </a:extLst>
+            </p:cNvPr>
+            <p:cNvCxnSpPr/>
+            <p:nvPr/>
+          </p:nvCxnSpPr>
+          <p:spPr>
+            <a:xfrm>
+              <a:off x="870420" y="2040120"/>
+              <a:ext cx="0" cy="2519082"/>
+            </a:xfrm>
+            <a:prstGeom prst="straightConnector1">
+              <a:avLst/>
+            </a:prstGeom>
+            <a:ln w="28575">
+              <a:solidFill>
+                <a:schemeClr val="tx1"/>
+              </a:solidFill>
+              <a:tailEnd type="triangle"/>
+            </a:ln>
+          </p:spPr>
+          <p:style>
+            <a:lnRef idx="1">
+              <a:schemeClr val="accent1"/>
+            </a:lnRef>
+            <a:fillRef idx="0">
+              <a:schemeClr val="accent1"/>
+            </a:fillRef>
+            <a:effectRef idx="0">
+              <a:schemeClr val="accent1"/>
+            </a:effectRef>
+            <a:fontRef idx="minor">
+              <a:schemeClr val="tx1"/>
+            </a:fontRef>
+          </p:style>
+        </p:cxnSp>
+        <p:sp>
+          <p:nvSpPr>
+            <p:cNvPr id="9" name="TextBox 8">
+              <a:extLst>
+                <a:ext uri="{FF2B5EF4-FFF2-40B4-BE49-F238E27FC236}">
+                  <a16:creationId xmlns:a16="http://schemas.microsoft.com/office/drawing/2014/main" id="{8023481F-26C2-DF9A-584D-5E543C7E3568}"/>
+                </a:ext>
+              </a:extLst>
+            </p:cNvPr>
+            <p:cNvSpPr txBox="1"/>
+            <p:nvPr/>
+          </p:nvSpPr>
+          <p:spPr>
+            <a:xfrm>
+              <a:off x="179294" y="3012141"/>
+              <a:ext cx="878541" cy="369332"/>
+            </a:xfrm>
+            <a:prstGeom prst="rect">
+              <a:avLst/>
+            </a:prstGeom>
+            <a:noFill/>
+          </p:spPr>
+          <p:txBody>
+            <a:bodyPr wrap="square" rtlCol="0">
+              <a:spAutoFit/>
+            </a:bodyPr>
+            <a:lstStyle/>
+            <a:p>
+              <a:r>
+                <a:rPr lang="en-US" dirty="0"/>
+                <a:t>Finer</a:t>
+              </a:r>
+            </a:p>
+          </p:txBody>
+        </p:sp>
+      </p:grpSp>
+      <p:pic>
+        <p:nvPicPr>
+          <p:cNvPr id="1026" name="Picture 2">
+            <a:extLst>
+              <a:ext uri="{FF2B5EF4-FFF2-40B4-BE49-F238E27FC236}">
+                <a16:creationId xmlns:a16="http://schemas.microsoft.com/office/drawing/2014/main" id="{6447B98A-D638-5D6F-5CCC-5D96D51C4628}"/>
+              </a:ext>
+            </a:extLst>
+          </p:cNvPr>
+          <p:cNvPicPr>
+            <a:picLocks noChangeAspect="1" noChangeArrowheads="1"/>
+          </p:cNvPicPr>
+          <p:nvPr/>
+        </p:nvPicPr>
+        <p:blipFill>
+          <a:blip r:embed="rId5">
+            <a:extLst>
+              <a:ext uri="{28A0092B-C50C-407E-A947-70E740481C1C}">
+                <a14:useLocalDpi xmlns:a14="http://schemas.microsoft.com/office/drawing/2010/main" val="0"/>
+              </a:ext>
+            </a:extLst>
+          </a:blip>
+          <a:srcRect/>
+          <a:stretch>
+            <a:fillRect/>
+          </a:stretch>
+        </p:blipFill>
+        <p:spPr bwMode="auto">
+          <a:xfrm>
+            <a:off x="6355977" y="1952745"/>
+            <a:ext cx="5214906" cy="3628421"/>
+          </a:xfrm>
+          <a:prstGeom prst="rect">
+            <a:avLst/>
+          </a:prstGeom>
+          <a:noFill/>
+          <a:extLst>
+            <a:ext uri="{909E8E84-426E-40DD-AFC4-6F175D3DCCD1}">
+              <a14:hiddenFill xmlns:a14="http://schemas.microsoft.com/office/drawing/2010/main">
+                <a:solidFill>
+                  <a:srgbClr val="FFFFFF"/>
+                </a:solidFill>
+              </a14:hiddenFill>
+            </a:ext>
+          </a:extLst>
+        </p:spPr>
+      </p:pic>
+      <p:sp>
+        <p:nvSpPr>
+          <p:cNvPr id="11" name="TextBox 10">
+            <a:extLst>
+              <a:ext uri="{FF2B5EF4-FFF2-40B4-BE49-F238E27FC236}">
+                <a16:creationId xmlns:a16="http://schemas.microsoft.com/office/drawing/2014/main" id="{5198953E-7062-7F6B-D2B2-CCD124A43C53}"/>
+              </a:ext>
+            </a:extLst>
+          </p:cNvPr>
+          <p:cNvSpPr txBox="1"/>
+          <p:nvPr/>
+        </p:nvSpPr>
+        <p:spPr>
+          <a:xfrm>
+            <a:off x="1039905" y="6077185"/>
+            <a:ext cx="7126091" cy="646331"/>
+          </a:xfrm>
+          <a:prstGeom prst="rect">
+            <a:avLst/>
+          </a:prstGeom>
+          <a:noFill/>
+        </p:spPr>
+        <p:txBody>
+          <a:bodyPr wrap="square" rtlCol="0">
+            <a:spAutoFit/>
+          </a:bodyPr>
+          <a:lstStyle/>
+          <a:p>
+            <a:r>
+              <a:rPr lang="en-US" dirty="0"/>
+              <a:t>Note: This is also a demonstration that the coarse-graining is pretty good and finding appropriate the most appropriate blocks</a:t>
+            </a:r>
+          </a:p>
+        </p:txBody>
+      </p:sp>
+    </p:spTree>
+    <p:extLst>
+      <p:ext uri="{BB962C8B-B14F-4D97-AF65-F5344CB8AC3E}">
+        <p14:creationId xmlns:p14="http://schemas.microsoft.com/office/powerpoint/2010/main" val="2533666783"/>
       </p:ext>
     </p:extLst>
   </p:cSld>

--- a/202305XX EAD Update.pptx
+++ b/202305XX EAD Update.pptx
@@ -9,6 +9,7 @@
     <p:sldId id="259" r:id="rId3"/>
     <p:sldId id="258" r:id="rId4"/>
     <p:sldId id="260" r:id="rId5"/>
+    <p:sldId id="261" r:id="rId6"/>
   </p:sldIdLst>
   <p:sldSz cx="12192000" cy="6858000"/>
   <p:notesSz cx="6858000" cy="9144000"/>
@@ -4337,6 +4338,263 @@
 </p:sld>
 </file>
 
+<file path=ppt/slides/slide5.xml><?xml version="1.0" encoding="utf-8"?>
+<p:sld xmlns:a="http://schemas.openxmlformats.org/drawingml/2006/main" xmlns:r="http://schemas.openxmlformats.org/officeDocument/2006/relationships" xmlns:p="http://schemas.openxmlformats.org/presentationml/2006/main">
+  <p:cSld>
+    <p:spTree>
+      <p:nvGrpSpPr>
+        <p:cNvPr id="1" name=""/>
+        <p:cNvGrpSpPr/>
+        <p:nvPr/>
+      </p:nvGrpSpPr>
+      <p:grpSpPr>
+        <a:xfrm>
+          <a:off x="0" y="0"/>
+          <a:ext cx="0" cy="0"/>
+          <a:chOff x="0" y="0"/>
+          <a:chExt cx="0" cy="0"/>
+        </a:xfrm>
+      </p:grpSpPr>
+      <p:sp>
+        <p:nvSpPr>
+          <p:cNvPr id="2" name="Title 1">
+            <a:extLst>
+              <a:ext uri="{FF2B5EF4-FFF2-40B4-BE49-F238E27FC236}">
+                <a16:creationId xmlns:a16="http://schemas.microsoft.com/office/drawing/2014/main" id="{1090DD6D-DFAB-67F0-17EC-AF83F47BE6BD}"/>
+              </a:ext>
+            </a:extLst>
+          </p:cNvPr>
+          <p:cNvSpPr>
+            <a:spLocks noGrp="1"/>
+          </p:cNvSpPr>
+          <p:nvPr>
+            <p:ph type="title"/>
+          </p:nvPr>
+        </p:nvSpPr>
+        <p:spPr>
+          <a:xfrm>
+            <a:off x="0" y="365125"/>
+            <a:ext cx="11353800" cy="1325563"/>
+          </a:xfrm>
+        </p:spPr>
+        <p:txBody>
+          <a:bodyPr>
+            <a:normAutofit/>
+          </a:bodyPr>
+          <a:lstStyle/>
+          <a:p>
+            <a:r>
+              <a:rPr lang="en-US" sz="4000" dirty="0"/>
+              <a:t>Degree of phosphorylation (-2.0e instead of -1.5e)</a:t>
+            </a:r>
+          </a:p>
+        </p:txBody>
+      </p:sp>
+      <p:pic>
+        <p:nvPicPr>
+          <p:cNvPr id="3" name="Picture 2">
+            <a:extLst>
+              <a:ext uri="{FF2B5EF4-FFF2-40B4-BE49-F238E27FC236}">
+                <a16:creationId xmlns:a16="http://schemas.microsoft.com/office/drawing/2014/main" id="{05F3CBCA-A205-C80C-C253-8A1FA2F354B6}"/>
+              </a:ext>
+            </a:extLst>
+          </p:cNvPr>
+          <p:cNvPicPr>
+            <a:picLocks noChangeAspect="1" noChangeArrowheads="1"/>
+          </p:cNvPicPr>
+          <p:nvPr/>
+        </p:nvPicPr>
+        <p:blipFill>
+          <a:blip r:embed="rId2">
+            <a:extLst>
+              <a:ext uri="{28A0092B-C50C-407E-A947-70E740481C1C}">
+                <a14:useLocalDpi xmlns:a14="http://schemas.microsoft.com/office/drawing/2010/main" val="0"/>
+              </a:ext>
+            </a:extLst>
+          </a:blip>
+          <a:srcRect/>
+          <a:stretch>
+            <a:fillRect/>
+          </a:stretch>
+        </p:blipFill>
+        <p:spPr bwMode="auto">
+          <a:xfrm>
+            <a:off x="6187950" y="1981199"/>
+            <a:ext cx="5165850" cy="3594288"/>
+          </a:xfrm>
+          <a:prstGeom prst="rect">
+            <a:avLst/>
+          </a:prstGeom>
+          <a:noFill/>
+          <a:extLst>
+            <a:ext uri="{909E8E84-426E-40DD-AFC4-6F175D3DCCD1}">
+              <a14:hiddenFill xmlns:a14="http://schemas.microsoft.com/office/drawing/2010/main">
+                <a:solidFill>
+                  <a:srgbClr val="FFFFFF"/>
+                </a:solidFill>
+              </a14:hiddenFill>
+            </a:ext>
+          </a:extLst>
+        </p:spPr>
+      </p:pic>
+      <p:pic>
+        <p:nvPicPr>
+          <p:cNvPr id="4" name="Picture 3">
+            <a:extLst>
+              <a:ext uri="{FF2B5EF4-FFF2-40B4-BE49-F238E27FC236}">
+                <a16:creationId xmlns:a16="http://schemas.microsoft.com/office/drawing/2014/main" id="{666F0BC8-C9E2-F949-B68F-01EF9E911E96}"/>
+              </a:ext>
+            </a:extLst>
+          </p:cNvPr>
+          <p:cNvPicPr>
+            <a:picLocks noChangeAspect="1"/>
+          </p:cNvPicPr>
+          <p:nvPr/>
+        </p:nvPicPr>
+        <p:blipFill rotWithShape="1">
+          <a:blip r:embed="rId3"/>
+          <a:srcRect t="17163" r="30769"/>
+          <a:stretch/>
+        </p:blipFill>
+        <p:spPr>
+          <a:xfrm>
+            <a:off x="3125469" y="2653474"/>
+            <a:ext cx="1939590" cy="2194774"/>
+          </a:xfrm>
+          <a:prstGeom prst="rect">
+            <a:avLst/>
+          </a:prstGeom>
+        </p:spPr>
+      </p:pic>
+      <p:pic>
+        <p:nvPicPr>
+          <p:cNvPr id="6" name="Picture 5">
+            <a:extLst>
+              <a:ext uri="{FF2B5EF4-FFF2-40B4-BE49-F238E27FC236}">
+                <a16:creationId xmlns:a16="http://schemas.microsoft.com/office/drawing/2014/main" id="{7BAAEFE1-368D-EFDA-CA2F-35E42BC98D2A}"/>
+              </a:ext>
+            </a:extLst>
+          </p:cNvPr>
+          <p:cNvPicPr>
+            <a:picLocks noChangeAspect="1"/>
+          </p:cNvPicPr>
+          <p:nvPr/>
+        </p:nvPicPr>
+        <p:blipFill rotWithShape="1">
+          <a:blip r:embed="rId4"/>
+          <a:srcRect t="13634"/>
+          <a:stretch/>
+        </p:blipFill>
+        <p:spPr>
+          <a:xfrm>
+            <a:off x="997154" y="2653474"/>
+            <a:ext cx="1852296" cy="2195735"/>
+          </a:xfrm>
+          <a:prstGeom prst="rect">
+            <a:avLst/>
+          </a:prstGeom>
+        </p:spPr>
+      </p:pic>
+      <p:sp>
+        <p:nvSpPr>
+          <p:cNvPr id="7" name="Rectangle 6">
+            <a:extLst>
+              <a:ext uri="{FF2B5EF4-FFF2-40B4-BE49-F238E27FC236}">
+                <a16:creationId xmlns:a16="http://schemas.microsoft.com/office/drawing/2014/main" id="{B7F87D1A-1854-C885-46A4-F76D58AE9817}"/>
+              </a:ext>
+            </a:extLst>
+          </p:cNvPr>
+          <p:cNvSpPr/>
+          <p:nvPr/>
+        </p:nvSpPr>
+        <p:spPr>
+          <a:xfrm>
+            <a:off x="932329" y="2581835"/>
+            <a:ext cx="4213412" cy="1586753"/>
+          </a:xfrm>
+          <a:prstGeom prst="rect">
+            <a:avLst/>
+          </a:prstGeom>
+          <a:noFill/>
+          <a:ln w="38100">
+            <a:solidFill>
+              <a:srgbClr val="C00000"/>
+            </a:solidFill>
+          </a:ln>
+        </p:spPr>
+        <p:style>
+          <a:lnRef idx="2">
+            <a:schemeClr val="accent1">
+              <a:shade val="50000"/>
+            </a:schemeClr>
+          </a:lnRef>
+          <a:fillRef idx="1">
+            <a:schemeClr val="accent1"/>
+          </a:fillRef>
+          <a:effectRef idx="0">
+            <a:schemeClr val="accent1"/>
+          </a:effectRef>
+          <a:fontRef idx="minor">
+            <a:schemeClr val="lt1"/>
+          </a:fontRef>
+        </p:style>
+        <p:txBody>
+          <a:bodyPr rtlCol="0" anchor="ctr"/>
+          <a:lstStyle/>
+          <a:p>
+            <a:pPr algn="ctr"/>
+            <a:endParaRPr lang="en-US"/>
+          </a:p>
+        </p:txBody>
+      </p:sp>
+      <p:sp>
+        <p:nvSpPr>
+          <p:cNvPr id="8" name="TextBox 7">
+            <a:extLst>
+              <a:ext uri="{FF2B5EF4-FFF2-40B4-BE49-F238E27FC236}">
+                <a16:creationId xmlns:a16="http://schemas.microsoft.com/office/drawing/2014/main" id="{0F38BAC6-1A2A-028A-E5E1-6404F7F004CF}"/>
+              </a:ext>
+            </a:extLst>
+          </p:cNvPr>
+          <p:cNvSpPr txBox="1"/>
+          <p:nvPr/>
+        </p:nvSpPr>
+        <p:spPr>
+          <a:xfrm>
+            <a:off x="4249270" y="2176684"/>
+            <a:ext cx="1631577" cy="369332"/>
+          </a:xfrm>
+          <a:prstGeom prst="rect">
+            <a:avLst/>
+          </a:prstGeom>
+          <a:noFill/>
+        </p:spPr>
+        <p:txBody>
+          <a:bodyPr wrap="square" rtlCol="0">
+            <a:spAutoFit/>
+          </a:bodyPr>
+          <a:lstStyle/>
+          <a:p>
+            <a:r>
+              <a:rPr lang="en-US" dirty="0"/>
+              <a:t>Affected blocks</a:t>
+            </a:r>
+          </a:p>
+        </p:txBody>
+      </p:sp>
+    </p:spTree>
+    <p:extLst>
+      <p:ext uri="{BB962C8B-B14F-4D97-AF65-F5344CB8AC3E}">
+        <p14:creationId xmlns:p14="http://schemas.microsoft.com/office/powerpoint/2010/main" val="422667606"/>
+      </p:ext>
+    </p:extLst>
+  </p:cSld>
+  <p:clrMapOvr>
+    <a:masterClrMapping/>
+  </p:clrMapOvr>
+</p:sld>
+</file>
+
 <file path=ppt/theme/theme1.xml><?xml version="1.0" encoding="utf-8"?>
 <a:theme xmlns:a="http://schemas.openxmlformats.org/drawingml/2006/main" name="Office Theme">
   <a:themeElements>

--- a/202305XX EAD Update.pptx
+++ b/202305XX EAD Update.pptx
@@ -4385,7 +4385,7 @@
           <a:p>
             <a:r>
               <a:rPr lang="en-US" sz="4000" dirty="0"/>
-              <a:t>Degree of phosphorylation (-2.0e instead of -1.5e)</a:t>
+              <a:t>Degree of phosphorylation (-2.0e instead of -1.5e) also similarly little difference (not many units)</a:t>
             </a:r>
           </a:p>
         </p:txBody>

--- a/202305XX EAD Update.pptx
+++ b/202305XX EAD Update.pptx
@@ -108,6 +108,11 @@
       </a:defRPr>
     </a:lvl9pPr>
   </p:defaultTextStyle>
+  <p:extLst>
+    <p:ext uri="{EFAFB233-063F-42B5-8137-9DF3F51BA10A}">
+      <p15:sldGuideLst xmlns:p15="http://schemas.microsoft.com/office/powerpoint/2012/main"/>
+    </p:ext>
+  </p:extLst>
 </p:presentation>
 </file>
 
@@ -258,7 +263,7 @@
           <a:p>
             <a:fld id="{AA348417-D7C9-4C36-B50B-BB54941F1C8E}" type="datetimeFigureOut">
               <a:rPr lang="en-US" smtClean="0"/>
-              <a:t>6/13/2023</a:t>
+              <a:t>6/21/2023</a:t>
             </a:fld>
             <a:endParaRPr lang="en-US"/>
           </a:p>
@@ -456,7 +461,7 @@
           <a:p>
             <a:fld id="{AA348417-D7C9-4C36-B50B-BB54941F1C8E}" type="datetimeFigureOut">
               <a:rPr lang="en-US" smtClean="0"/>
-              <a:t>6/13/2023</a:t>
+              <a:t>6/21/2023</a:t>
             </a:fld>
             <a:endParaRPr lang="en-US"/>
           </a:p>
@@ -664,7 +669,7 @@
           <a:p>
             <a:fld id="{AA348417-D7C9-4C36-B50B-BB54941F1C8E}" type="datetimeFigureOut">
               <a:rPr lang="en-US" smtClean="0"/>
-              <a:t>6/13/2023</a:t>
+              <a:t>6/21/2023</a:t>
             </a:fld>
             <a:endParaRPr lang="en-US"/>
           </a:p>
@@ -862,7 +867,7 @@
           <a:p>
             <a:fld id="{AA348417-D7C9-4C36-B50B-BB54941F1C8E}" type="datetimeFigureOut">
               <a:rPr lang="en-US" smtClean="0"/>
-              <a:t>6/13/2023</a:t>
+              <a:t>6/21/2023</a:t>
             </a:fld>
             <a:endParaRPr lang="en-US"/>
           </a:p>
@@ -1137,7 +1142,7 @@
           <a:p>
             <a:fld id="{AA348417-D7C9-4C36-B50B-BB54941F1C8E}" type="datetimeFigureOut">
               <a:rPr lang="en-US" smtClean="0"/>
-              <a:t>6/13/2023</a:t>
+              <a:t>6/21/2023</a:t>
             </a:fld>
             <a:endParaRPr lang="en-US"/>
           </a:p>
@@ -1402,7 +1407,7 @@
           <a:p>
             <a:fld id="{AA348417-D7C9-4C36-B50B-BB54941F1C8E}" type="datetimeFigureOut">
               <a:rPr lang="en-US" smtClean="0"/>
-              <a:t>6/13/2023</a:t>
+              <a:t>6/21/2023</a:t>
             </a:fld>
             <a:endParaRPr lang="en-US"/>
           </a:p>
@@ -1814,7 +1819,7 @@
           <a:p>
             <a:fld id="{AA348417-D7C9-4C36-B50B-BB54941F1C8E}" type="datetimeFigureOut">
               <a:rPr lang="en-US" smtClean="0"/>
-              <a:t>6/13/2023</a:t>
+              <a:t>6/21/2023</a:t>
             </a:fld>
             <a:endParaRPr lang="en-US"/>
           </a:p>
@@ -1955,7 +1960,7 @@
           <a:p>
             <a:fld id="{AA348417-D7C9-4C36-B50B-BB54941F1C8E}" type="datetimeFigureOut">
               <a:rPr lang="en-US" smtClean="0"/>
-              <a:t>6/13/2023</a:t>
+              <a:t>6/21/2023</a:t>
             </a:fld>
             <a:endParaRPr lang="en-US"/>
           </a:p>
@@ -2068,7 +2073,7 @@
           <a:p>
             <a:fld id="{AA348417-D7C9-4C36-B50B-BB54941F1C8E}" type="datetimeFigureOut">
               <a:rPr lang="en-US" smtClean="0"/>
-              <a:t>6/13/2023</a:t>
+              <a:t>6/21/2023</a:t>
             </a:fld>
             <a:endParaRPr lang="en-US"/>
           </a:p>
@@ -2379,7 +2384,7 @@
           <a:p>
             <a:fld id="{AA348417-D7C9-4C36-B50B-BB54941F1C8E}" type="datetimeFigureOut">
               <a:rPr lang="en-US" smtClean="0"/>
-              <a:t>6/13/2023</a:t>
+              <a:t>6/21/2023</a:t>
             </a:fld>
             <a:endParaRPr lang="en-US"/>
           </a:p>
@@ -2667,7 +2672,7 @@
           <a:p>
             <a:fld id="{AA348417-D7C9-4C36-B50B-BB54941F1C8E}" type="datetimeFigureOut">
               <a:rPr lang="en-US" smtClean="0"/>
-              <a:t>6/13/2023</a:t>
+              <a:t>6/21/2023</a:t>
             </a:fld>
             <a:endParaRPr lang="en-US"/>
           </a:p>
@@ -2908,7 +2913,7 @@
           <a:p>
             <a:fld id="{AA348417-D7C9-4C36-B50B-BB54941F1C8E}" type="datetimeFigureOut">
               <a:rPr lang="en-US" smtClean="0"/>
-              <a:t>6/13/2023</a:t>
+              <a:t>6/21/2023</a:t>
             </a:fld>
             <a:endParaRPr lang="en-US"/>
           </a:p>
@@ -3453,7 +3458,7 @@
             </a:br>
             <a:r>
               <a:rPr lang="en-US" sz="3600" dirty="0"/>
-              <a:t>these curves seems to be the best fit </a:t>
+              <a:t>these curves are the best fit </a:t>
             </a:r>
           </a:p>
         </p:txBody>

--- a/202305XX EAD Update.pptx
+++ b/202305XX EAD Update.pptx
@@ -7,9 +7,12 @@
   <p:sldIdLst>
     <p:sldId id="256" r:id="rId2"/>
     <p:sldId id="259" r:id="rId3"/>
-    <p:sldId id="258" r:id="rId4"/>
-    <p:sldId id="260" r:id="rId5"/>
-    <p:sldId id="261" r:id="rId6"/>
+    <p:sldId id="262" r:id="rId4"/>
+    <p:sldId id="258" r:id="rId5"/>
+    <p:sldId id="260" r:id="rId6"/>
+    <p:sldId id="261" r:id="rId7"/>
+    <p:sldId id="263" r:id="rId8"/>
+    <p:sldId id="264" r:id="rId9"/>
   </p:sldIdLst>
   <p:sldSz cx="12192000" cy="6858000"/>
   <p:notesSz cx="6858000" cy="9144000"/>
@@ -263,7 +266,7 @@
           <a:p>
             <a:fld id="{AA348417-D7C9-4C36-B50B-BB54941F1C8E}" type="datetimeFigureOut">
               <a:rPr lang="en-US" smtClean="0"/>
-              <a:t>6/21/2023</a:t>
+              <a:t>6/23/2023</a:t>
             </a:fld>
             <a:endParaRPr lang="en-US"/>
           </a:p>
@@ -461,7 +464,7 @@
           <a:p>
             <a:fld id="{AA348417-D7C9-4C36-B50B-BB54941F1C8E}" type="datetimeFigureOut">
               <a:rPr lang="en-US" smtClean="0"/>
-              <a:t>6/21/2023</a:t>
+              <a:t>6/23/2023</a:t>
             </a:fld>
             <a:endParaRPr lang="en-US"/>
           </a:p>
@@ -669,7 +672,7 @@
           <a:p>
             <a:fld id="{AA348417-D7C9-4C36-B50B-BB54941F1C8E}" type="datetimeFigureOut">
               <a:rPr lang="en-US" smtClean="0"/>
-              <a:t>6/21/2023</a:t>
+              <a:t>6/23/2023</a:t>
             </a:fld>
             <a:endParaRPr lang="en-US"/>
           </a:p>
@@ -867,7 +870,7 @@
           <a:p>
             <a:fld id="{AA348417-D7C9-4C36-B50B-BB54941F1C8E}" type="datetimeFigureOut">
               <a:rPr lang="en-US" smtClean="0"/>
-              <a:t>6/21/2023</a:t>
+              <a:t>6/23/2023</a:t>
             </a:fld>
             <a:endParaRPr lang="en-US"/>
           </a:p>
@@ -1142,7 +1145,7 @@
           <a:p>
             <a:fld id="{AA348417-D7C9-4C36-B50B-BB54941F1C8E}" type="datetimeFigureOut">
               <a:rPr lang="en-US" smtClean="0"/>
-              <a:t>6/21/2023</a:t>
+              <a:t>6/23/2023</a:t>
             </a:fld>
             <a:endParaRPr lang="en-US"/>
           </a:p>
@@ -1407,7 +1410,7 @@
           <a:p>
             <a:fld id="{AA348417-D7C9-4C36-B50B-BB54941F1C8E}" type="datetimeFigureOut">
               <a:rPr lang="en-US" smtClean="0"/>
-              <a:t>6/21/2023</a:t>
+              <a:t>6/23/2023</a:t>
             </a:fld>
             <a:endParaRPr lang="en-US"/>
           </a:p>
@@ -1819,7 +1822,7 @@
           <a:p>
             <a:fld id="{AA348417-D7C9-4C36-B50B-BB54941F1C8E}" type="datetimeFigureOut">
               <a:rPr lang="en-US" smtClean="0"/>
-              <a:t>6/21/2023</a:t>
+              <a:t>6/23/2023</a:t>
             </a:fld>
             <a:endParaRPr lang="en-US"/>
           </a:p>
@@ -1960,7 +1963,7 @@
           <a:p>
             <a:fld id="{AA348417-D7C9-4C36-B50B-BB54941F1C8E}" type="datetimeFigureOut">
               <a:rPr lang="en-US" smtClean="0"/>
-              <a:t>6/21/2023</a:t>
+              <a:t>6/23/2023</a:t>
             </a:fld>
             <a:endParaRPr lang="en-US"/>
           </a:p>
@@ -2073,7 +2076,7 @@
           <a:p>
             <a:fld id="{AA348417-D7C9-4C36-B50B-BB54941F1C8E}" type="datetimeFigureOut">
               <a:rPr lang="en-US" smtClean="0"/>
-              <a:t>6/21/2023</a:t>
+              <a:t>6/23/2023</a:t>
             </a:fld>
             <a:endParaRPr lang="en-US"/>
           </a:p>
@@ -2384,7 +2387,7 @@
           <a:p>
             <a:fld id="{AA348417-D7C9-4C36-B50B-BB54941F1C8E}" type="datetimeFigureOut">
               <a:rPr lang="en-US" smtClean="0"/>
-              <a:t>6/21/2023</a:t>
+              <a:t>6/23/2023</a:t>
             </a:fld>
             <a:endParaRPr lang="en-US"/>
           </a:p>
@@ -2672,7 +2675,7 @@
           <a:p>
             <a:fld id="{AA348417-D7C9-4C36-B50B-BB54941F1C8E}" type="datetimeFigureOut">
               <a:rPr lang="en-US" smtClean="0"/>
-              <a:t>6/21/2023</a:t>
+              <a:t>6/23/2023</a:t>
             </a:fld>
             <a:endParaRPr lang="en-US"/>
           </a:p>
@@ -2913,7 +2916,7 @@
           <a:p>
             <a:fld id="{AA348417-D7C9-4C36-B50B-BB54941F1C8E}" type="datetimeFigureOut">
               <a:rPr lang="en-US" smtClean="0"/>
-              <a:t>6/21/2023</a:t>
+              <a:t>6/23/2023</a:t>
             </a:fld>
             <a:endParaRPr lang="en-US"/>
           </a:p>
@@ -3465,10 +3468,10 @@
       </p:sp>
       <p:pic>
         <p:nvPicPr>
-          <p:cNvPr id="3" name="Picture 2">
-            <a:extLst>
-              <a:ext uri="{FF2B5EF4-FFF2-40B4-BE49-F238E27FC236}">
-                <a16:creationId xmlns:a16="http://schemas.microsoft.com/office/drawing/2014/main" id="{22CAD00B-CCF9-FBC8-DEEB-FF7CA35F0DFA}"/>
+          <p:cNvPr id="1026" name="Picture 2">
+            <a:extLst>
+              <a:ext uri="{FF2B5EF4-FFF2-40B4-BE49-F238E27FC236}">
+                <a16:creationId xmlns:a16="http://schemas.microsoft.com/office/drawing/2014/main" id="{DF5B6DB5-6AEE-FDBF-32E1-C26A3BDAB644}"/>
               </a:ext>
             </a:extLst>
           </p:cNvPr>
@@ -3492,8 +3495,8 @@
         </p:blipFill>
         <p:spPr bwMode="auto">
           <a:xfrm>
-            <a:off x="2329283" y="2232212"/>
-            <a:ext cx="6875929" cy="4140523"/>
+            <a:off x="2345673" y="2063392"/>
+            <a:ext cx="7183810" cy="4325922"/>
           </a:xfrm>
           <a:prstGeom prst="rect">
             <a:avLst/>
@@ -3545,6 +3548,77 @@
           <p:cNvPr id="2" name="Title 1">
             <a:extLst>
               <a:ext uri="{FF2B5EF4-FFF2-40B4-BE49-F238E27FC236}">
+                <a16:creationId xmlns:a16="http://schemas.microsoft.com/office/drawing/2014/main" id="{B2092539-AFC2-1644-B195-F3E04392A7BF}"/>
+              </a:ext>
+            </a:extLst>
+          </p:cNvPr>
+          <p:cNvSpPr>
+            <a:spLocks noGrp="1"/>
+          </p:cNvSpPr>
+          <p:nvPr>
+            <p:ph type="title"/>
+          </p:nvPr>
+        </p:nvSpPr>
+        <p:spPr/>
+        <p:txBody>
+          <a:bodyPr/>
+          <a:lstStyle/>
+          <a:p>
+            <a:r>
+              <a:rPr lang="en-US" dirty="0"/>
+              <a:t>Analysis of other </a:t>
+            </a:r>
+            <a:r>
+              <a:rPr lang="en-US" dirty="0" err="1"/>
+              <a:t>pNFM</a:t>
+            </a:r>
+            <a:r>
+              <a:rPr lang="en-US" dirty="0"/>
+              <a:t> fitting </a:t>
+            </a:r>
+            <a:r>
+              <a:rPr lang="en-US" dirty="0" err="1"/>
+              <a:t>paramters</a:t>
+            </a:r>
+            <a:endParaRPr lang="en-US" dirty="0"/>
+          </a:p>
+        </p:txBody>
+      </p:sp>
+    </p:spTree>
+    <p:extLst>
+      <p:ext uri="{BB962C8B-B14F-4D97-AF65-F5344CB8AC3E}">
+        <p14:creationId xmlns:p14="http://schemas.microsoft.com/office/powerpoint/2010/main" val="1461982355"/>
+      </p:ext>
+    </p:extLst>
+  </p:cSld>
+  <p:clrMapOvr>
+    <a:masterClrMapping/>
+  </p:clrMapOvr>
+</p:sld>
+</file>
+
+<file path=ppt/slides/slide4.xml><?xml version="1.0" encoding="utf-8"?>
+<p:sld xmlns:a="http://schemas.openxmlformats.org/drawingml/2006/main" xmlns:r="http://schemas.openxmlformats.org/officeDocument/2006/relationships" xmlns:p="http://schemas.openxmlformats.org/presentationml/2006/main">
+  <p:cSld>
+    <p:spTree>
+      <p:nvGrpSpPr>
+        <p:cNvPr id="1" name=""/>
+        <p:cNvGrpSpPr/>
+        <p:nvPr/>
+      </p:nvGrpSpPr>
+      <p:grpSpPr>
+        <a:xfrm>
+          <a:off x="0" y="0"/>
+          <a:ext cx="0" cy="0"/>
+          <a:chOff x="0" y="0"/>
+          <a:chExt cx="0" cy="0"/>
+        </a:xfrm>
+      </p:grpSpPr>
+      <p:sp>
+        <p:nvSpPr>
+          <p:cNvPr id="2" name="Title 1">
+            <a:extLst>
+              <a:ext uri="{FF2B5EF4-FFF2-40B4-BE49-F238E27FC236}">
                 <a16:creationId xmlns:a16="http://schemas.microsoft.com/office/drawing/2014/main" id="{80FC5125-BB24-A635-578E-032C9BE419E5}"/>
               </a:ext>
             </a:extLst>
@@ -3957,7 +4031,7 @@
 </p:sld>
 </file>
 
-<file path=ppt/slides/slide4.xml><?xml version="1.0" encoding="utf-8"?>
+<file path=ppt/slides/slide5.xml><?xml version="1.0" encoding="utf-8"?>
 <p:sld xmlns:a="http://schemas.openxmlformats.org/drawingml/2006/main" xmlns:r="http://schemas.openxmlformats.org/officeDocument/2006/relationships" xmlns:p="http://schemas.openxmlformats.org/presentationml/2006/main">
   <p:cSld>
     <p:spTree>
@@ -4343,7 +4417,7 @@
 </p:sld>
 </file>
 
-<file path=ppt/slides/slide5.xml><?xml version="1.0" encoding="utf-8"?>
+<file path=ppt/slides/slide6.xml><?xml version="1.0" encoding="utf-8"?>
 <p:sld xmlns:a="http://schemas.openxmlformats.org/drawingml/2006/main" xmlns:r="http://schemas.openxmlformats.org/officeDocument/2006/relationships" xmlns:p="http://schemas.openxmlformats.org/presentationml/2006/main">
   <p:cSld>
     <p:spTree>
@@ -4591,6 +4665,216 @@
     <p:extLst>
       <p:ext uri="{BB962C8B-B14F-4D97-AF65-F5344CB8AC3E}">
         <p14:creationId xmlns:p14="http://schemas.microsoft.com/office/powerpoint/2010/main" val="422667606"/>
+      </p:ext>
+    </p:extLst>
+  </p:cSld>
+  <p:clrMapOvr>
+    <a:masterClrMapping/>
+  </p:clrMapOvr>
+</p:sld>
+</file>
+
+<file path=ppt/slides/slide7.xml><?xml version="1.0" encoding="utf-8"?>
+<p:sld xmlns:a="http://schemas.openxmlformats.org/drawingml/2006/main" xmlns:r="http://schemas.openxmlformats.org/officeDocument/2006/relationships" xmlns:p="http://schemas.openxmlformats.org/presentationml/2006/main">
+  <p:cSld>
+    <p:spTree>
+      <p:nvGrpSpPr>
+        <p:cNvPr id="1" name=""/>
+        <p:cNvGrpSpPr/>
+        <p:nvPr/>
+      </p:nvGrpSpPr>
+      <p:grpSpPr>
+        <a:xfrm>
+          <a:off x="0" y="0"/>
+          <a:ext cx="0" cy="0"/>
+          <a:chOff x="0" y="0"/>
+          <a:chExt cx="0" cy="0"/>
+        </a:xfrm>
+      </p:grpSpPr>
+      <p:sp>
+        <p:nvSpPr>
+          <p:cNvPr id="2" name="Title 1">
+            <a:extLst>
+              <a:ext uri="{FF2B5EF4-FFF2-40B4-BE49-F238E27FC236}">
+                <a16:creationId xmlns:a16="http://schemas.microsoft.com/office/drawing/2014/main" id="{A0FD29D3-8BF6-3FD3-CFFE-E2B61227A85A}"/>
+              </a:ext>
+            </a:extLst>
+          </p:cNvPr>
+          <p:cNvSpPr>
+            <a:spLocks noGrp="1"/>
+          </p:cNvSpPr>
+          <p:nvPr>
+            <p:ph type="title"/>
+          </p:nvPr>
+        </p:nvSpPr>
+        <p:spPr/>
+        <p:txBody>
+          <a:bodyPr/>
+          <a:lstStyle/>
+          <a:p>
+            <a:r>
+              <a:rPr lang="en-US" dirty="0"/>
+              <a:t>Results</a:t>
+            </a:r>
+          </a:p>
+        </p:txBody>
+      </p:sp>
+    </p:spTree>
+    <p:extLst>
+      <p:ext uri="{BB962C8B-B14F-4D97-AF65-F5344CB8AC3E}">
+        <p14:creationId xmlns:p14="http://schemas.microsoft.com/office/powerpoint/2010/main" val="1663324261"/>
+      </p:ext>
+    </p:extLst>
+  </p:cSld>
+  <p:clrMapOvr>
+    <a:masterClrMapping/>
+  </p:clrMapOvr>
+</p:sld>
+</file>
+
+<file path=ppt/slides/slide8.xml><?xml version="1.0" encoding="utf-8"?>
+<p:sld xmlns:a="http://schemas.openxmlformats.org/drawingml/2006/main" xmlns:r="http://schemas.openxmlformats.org/officeDocument/2006/relationships" xmlns:p="http://schemas.openxmlformats.org/presentationml/2006/main">
+  <p:cSld>
+    <p:spTree>
+      <p:nvGrpSpPr>
+        <p:cNvPr id="1" name=""/>
+        <p:cNvGrpSpPr/>
+        <p:nvPr/>
+      </p:nvGrpSpPr>
+      <p:grpSpPr>
+        <a:xfrm>
+          <a:off x="0" y="0"/>
+          <a:ext cx="0" cy="0"/>
+          <a:chOff x="0" y="0"/>
+          <a:chExt cx="0" cy="0"/>
+        </a:xfrm>
+      </p:grpSpPr>
+      <p:sp>
+        <p:nvSpPr>
+          <p:cNvPr id="2" name="Title 1">
+            <a:extLst>
+              <a:ext uri="{FF2B5EF4-FFF2-40B4-BE49-F238E27FC236}">
+                <a16:creationId xmlns:a16="http://schemas.microsoft.com/office/drawing/2014/main" id="{DA02FD08-2CFB-279F-551B-3107556BF718}"/>
+              </a:ext>
+            </a:extLst>
+          </p:cNvPr>
+          <p:cNvSpPr>
+            <a:spLocks noGrp="1"/>
+          </p:cNvSpPr>
+          <p:nvPr>
+            <p:ph type="title"/>
+          </p:nvPr>
+        </p:nvSpPr>
+        <p:spPr/>
+        <p:txBody>
+          <a:bodyPr/>
+          <a:lstStyle/>
+          <a:p>
+            <a:r>
+              <a:rPr lang="en-US" dirty="0" err="1"/>
+              <a:t>pNFM</a:t>
+            </a:r>
+            <a:r>
+              <a:rPr lang="en-US" dirty="0"/>
+              <a:t> </a:t>
+            </a:r>
+          </a:p>
+        </p:txBody>
+      </p:sp>
+      <p:pic>
+        <p:nvPicPr>
+          <p:cNvPr id="2052" name="Picture 4">
+            <a:extLst>
+              <a:ext uri="{FF2B5EF4-FFF2-40B4-BE49-F238E27FC236}">
+                <a16:creationId xmlns:a16="http://schemas.microsoft.com/office/drawing/2014/main" id="{8C071EB5-8A93-D373-67F6-18F32266FBF2}"/>
+              </a:ext>
+            </a:extLst>
+          </p:cNvPr>
+          <p:cNvPicPr>
+            <a:picLocks noChangeAspect="1" noChangeArrowheads="1"/>
+          </p:cNvPicPr>
+          <p:nvPr/>
+        </p:nvPicPr>
+        <p:blipFill rotWithShape="1">
+          <a:blip r:embed="rId2">
+            <a:extLst>
+              <a:ext uri="{28A0092B-C50C-407E-A947-70E740481C1C}">
+                <a14:useLocalDpi xmlns:a14="http://schemas.microsoft.com/office/drawing/2010/main" val="0"/>
+              </a:ext>
+            </a:extLst>
+          </a:blip>
+          <a:srcRect r="48894"/>
+          <a:stretch/>
+        </p:blipFill>
+        <p:spPr bwMode="auto">
+          <a:xfrm>
+            <a:off x="4997252" y="2429435"/>
+            <a:ext cx="4250651" cy="3557028"/>
+          </a:xfrm>
+          <a:prstGeom prst="rect">
+            <a:avLst/>
+          </a:prstGeom>
+          <a:noFill/>
+          <a:extLst>
+            <a:ext uri="{909E8E84-426E-40DD-AFC4-6F175D3DCCD1}">
+              <a14:hiddenFill xmlns:a14="http://schemas.microsoft.com/office/drawing/2010/main">
+                <a:solidFill>
+                  <a:srgbClr val="FFFFFF"/>
+                </a:solidFill>
+              </a14:hiddenFill>
+            </a:ext>
+          </a:extLst>
+        </p:spPr>
+      </p:pic>
+      <p:pic>
+        <p:nvPicPr>
+          <p:cNvPr id="2054" name="Picture 6">
+            <a:extLst>
+              <a:ext uri="{FF2B5EF4-FFF2-40B4-BE49-F238E27FC236}">
+                <a16:creationId xmlns:a16="http://schemas.microsoft.com/office/drawing/2014/main" id="{90DB8EC8-2714-A9D5-BFE2-5B5911169344}"/>
+              </a:ext>
+            </a:extLst>
+          </p:cNvPr>
+          <p:cNvPicPr>
+            <a:picLocks noChangeAspect="1" noChangeArrowheads="1"/>
+          </p:cNvPicPr>
+          <p:nvPr/>
+        </p:nvPicPr>
+        <p:blipFill rotWithShape="1">
+          <a:blip r:embed="rId3">
+            <a:extLst>
+              <a:ext uri="{28A0092B-C50C-407E-A947-70E740481C1C}">
+                <a14:useLocalDpi xmlns:a14="http://schemas.microsoft.com/office/drawing/2010/main" val="0"/>
+              </a:ext>
+            </a:extLst>
+          </a:blip>
+          <a:srcRect r="48809"/>
+          <a:stretch/>
+        </p:blipFill>
+        <p:spPr bwMode="auto">
+          <a:xfrm>
+            <a:off x="1411381" y="2429435"/>
+            <a:ext cx="4257729" cy="3557028"/>
+          </a:xfrm>
+          <a:prstGeom prst="rect">
+            <a:avLst/>
+          </a:prstGeom>
+          <a:noFill/>
+          <a:extLst>
+            <a:ext uri="{909E8E84-426E-40DD-AFC4-6F175D3DCCD1}">
+              <a14:hiddenFill xmlns:a14="http://schemas.microsoft.com/office/drawing/2010/main">
+                <a:solidFill>
+                  <a:srgbClr val="FFFFFF"/>
+                </a:solidFill>
+              </a14:hiddenFill>
+            </a:ext>
+          </a:extLst>
+        </p:spPr>
+      </p:pic>
+    </p:spTree>
+    <p:extLst>
+      <p:ext uri="{BB962C8B-B14F-4D97-AF65-F5344CB8AC3E}">
+        <p14:creationId xmlns:p14="http://schemas.microsoft.com/office/powerpoint/2010/main" val="3065885378"/>
       </p:ext>
     </p:extLst>
   </p:cSld>

--- a/202305XX EAD Update.pptx
+++ b/202305XX EAD Update.pptx
@@ -13,6 +13,9 @@
     <p:sldId id="261" r:id="rId7"/>
     <p:sldId id="263" r:id="rId8"/>
     <p:sldId id="264" r:id="rId9"/>
+    <p:sldId id="265" r:id="rId10"/>
+    <p:sldId id="266" r:id="rId11"/>
+    <p:sldId id="267" r:id="rId12"/>
   </p:sldIdLst>
   <p:sldSz cx="12192000" cy="6858000"/>
   <p:notesSz cx="6858000" cy="9144000"/>
@@ -3399,6 +3402,1068 @@
 </p:sld>
 </file>
 
+<file path=ppt/slides/slide10.xml><?xml version="1.0" encoding="utf-8"?>
+<p:sld xmlns:a="http://schemas.openxmlformats.org/drawingml/2006/main" xmlns:r="http://schemas.openxmlformats.org/officeDocument/2006/relationships" xmlns:p="http://schemas.openxmlformats.org/presentationml/2006/main">
+  <p:cSld>
+    <p:spTree>
+      <p:nvGrpSpPr>
+        <p:cNvPr id="1" name=""/>
+        <p:cNvGrpSpPr/>
+        <p:nvPr/>
+      </p:nvGrpSpPr>
+      <p:grpSpPr>
+        <a:xfrm>
+          <a:off x="0" y="0"/>
+          <a:ext cx="0" cy="0"/>
+          <a:chOff x="0" y="0"/>
+          <a:chExt cx="0" cy="0"/>
+        </a:xfrm>
+      </p:grpSpPr>
+      <p:grpSp>
+        <p:nvGrpSpPr>
+          <p:cNvPr id="13" name="Group 12">
+            <a:extLst>
+              <a:ext uri="{FF2B5EF4-FFF2-40B4-BE49-F238E27FC236}">
+                <a16:creationId xmlns:a16="http://schemas.microsoft.com/office/drawing/2014/main" id="{DB824F64-DE47-164A-659F-567B84D4E8A9}"/>
+              </a:ext>
+            </a:extLst>
+          </p:cNvPr>
+          <p:cNvGrpSpPr/>
+          <p:nvPr/>
+        </p:nvGrpSpPr>
+        <p:grpSpPr>
+          <a:xfrm>
+            <a:off x="318230" y="2044683"/>
+            <a:ext cx="8251677" cy="2901984"/>
+            <a:chOff x="3804380" y="2128857"/>
+            <a:chExt cx="8251677" cy="2901984"/>
+          </a:xfrm>
+        </p:grpSpPr>
+        <p:pic>
+          <p:nvPicPr>
+            <p:cNvPr id="4112" name="Picture 16">
+              <a:extLst>
+                <a:ext uri="{FF2B5EF4-FFF2-40B4-BE49-F238E27FC236}">
+                  <a16:creationId xmlns:a16="http://schemas.microsoft.com/office/drawing/2014/main" id="{8B2DA322-5E88-B19A-F036-2ED13488A001}"/>
+                </a:ext>
+              </a:extLst>
+            </p:cNvPr>
+            <p:cNvPicPr>
+              <a:picLocks noChangeAspect="1" noChangeArrowheads="1"/>
+            </p:cNvPicPr>
+            <p:nvPr/>
+          </p:nvPicPr>
+          <p:blipFill rotWithShape="1">
+            <a:blip r:embed="rId2">
+              <a:extLst>
+                <a:ext uri="{28A0092B-C50C-407E-A947-70E740481C1C}">
+                  <a14:useLocalDpi xmlns:a14="http://schemas.microsoft.com/office/drawing/2010/main" val="0"/>
+                </a:ext>
+              </a:extLst>
+            </a:blip>
+            <a:srcRect r="49195"/>
+            <a:stretch/>
+          </p:blipFill>
+          <p:spPr bwMode="auto">
+            <a:xfrm>
+              <a:off x="8991479" y="2430901"/>
+              <a:ext cx="3064578" cy="2579715"/>
+            </a:xfrm>
+            <a:prstGeom prst="rect">
+              <a:avLst/>
+            </a:prstGeom>
+            <a:noFill/>
+            <a:extLst>
+              <a:ext uri="{909E8E84-426E-40DD-AFC4-6F175D3DCCD1}">
+                <a14:hiddenFill xmlns:a14="http://schemas.microsoft.com/office/drawing/2010/main">
+                  <a:solidFill>
+                    <a:srgbClr val="FFFFFF"/>
+                  </a:solidFill>
+                </a14:hiddenFill>
+              </a:ext>
+            </a:extLst>
+          </p:spPr>
+        </p:pic>
+        <p:sp>
+          <p:nvSpPr>
+            <p:cNvPr id="10" name="TextBox 9">
+              <a:extLst>
+                <a:ext uri="{FF2B5EF4-FFF2-40B4-BE49-F238E27FC236}">
+                  <a16:creationId xmlns:a16="http://schemas.microsoft.com/office/drawing/2014/main" id="{93EAACD2-1AAC-1B5B-8C0C-24B9F4D40A17}"/>
+                </a:ext>
+              </a:extLst>
+            </p:cNvPr>
+            <p:cNvSpPr txBox="1"/>
+            <p:nvPr/>
+          </p:nvSpPr>
+          <p:spPr>
+            <a:xfrm>
+              <a:off x="4298131" y="2135378"/>
+              <a:ext cx="2447925" cy="369332"/>
+            </a:xfrm>
+            <a:prstGeom prst="rect">
+              <a:avLst/>
+            </a:prstGeom>
+            <a:noFill/>
+          </p:spPr>
+          <p:txBody>
+            <a:bodyPr wrap="square" rtlCol="0">
+              <a:spAutoFit/>
+            </a:bodyPr>
+            <a:lstStyle/>
+            <a:p>
+              <a:pPr algn="ctr"/>
+              <a:r>
+                <a:rPr lang="en-US" dirty="0"/>
+                <a:t>Block 1</a:t>
+              </a:r>
+            </a:p>
+          </p:txBody>
+        </p:sp>
+        <p:pic>
+          <p:nvPicPr>
+            <p:cNvPr id="4110" name="Picture 14">
+              <a:extLst>
+                <a:ext uri="{FF2B5EF4-FFF2-40B4-BE49-F238E27FC236}">
+                  <a16:creationId xmlns:a16="http://schemas.microsoft.com/office/drawing/2014/main" id="{80237940-0A15-B681-19DD-EDF7229D7D13}"/>
+                </a:ext>
+              </a:extLst>
+            </p:cNvPr>
+            <p:cNvPicPr>
+              <a:picLocks noChangeAspect="1" noChangeArrowheads="1"/>
+            </p:cNvPicPr>
+            <p:nvPr/>
+          </p:nvPicPr>
+          <p:blipFill rotWithShape="1">
+            <a:blip r:embed="rId3">
+              <a:extLst>
+                <a:ext uri="{28A0092B-C50C-407E-A947-70E740481C1C}">
+                  <a14:useLocalDpi xmlns:a14="http://schemas.microsoft.com/office/drawing/2010/main" val="0"/>
+                </a:ext>
+              </a:extLst>
+            </a:blip>
+            <a:srcRect r="48915"/>
+            <a:stretch/>
+          </p:blipFill>
+          <p:spPr bwMode="auto">
+            <a:xfrm>
+              <a:off x="6404706" y="2430901"/>
+              <a:ext cx="3105636" cy="2599940"/>
+            </a:xfrm>
+            <a:prstGeom prst="rect">
+              <a:avLst/>
+            </a:prstGeom>
+            <a:noFill/>
+            <a:extLst>
+              <a:ext uri="{909E8E84-426E-40DD-AFC4-6F175D3DCCD1}">
+                <a14:hiddenFill xmlns:a14="http://schemas.microsoft.com/office/drawing/2010/main">
+                  <a:solidFill>
+                    <a:srgbClr val="FFFFFF"/>
+                  </a:solidFill>
+                </a14:hiddenFill>
+              </a:ext>
+            </a:extLst>
+          </p:spPr>
+        </p:pic>
+        <p:pic>
+          <p:nvPicPr>
+            <p:cNvPr id="4108" name="Picture 12">
+              <a:extLst>
+                <a:ext uri="{FF2B5EF4-FFF2-40B4-BE49-F238E27FC236}">
+                  <a16:creationId xmlns:a16="http://schemas.microsoft.com/office/drawing/2014/main" id="{B645D9C5-CDD6-662B-20A7-85B8624ED32E}"/>
+                </a:ext>
+              </a:extLst>
+            </p:cNvPr>
+            <p:cNvPicPr>
+              <a:picLocks noChangeAspect="1" noChangeArrowheads="1"/>
+            </p:cNvPicPr>
+            <p:nvPr/>
+          </p:nvPicPr>
+          <p:blipFill rotWithShape="1">
+            <a:blip r:embed="rId4">
+              <a:extLst>
+                <a:ext uri="{28A0092B-C50C-407E-A947-70E740481C1C}">
+                  <a14:useLocalDpi xmlns:a14="http://schemas.microsoft.com/office/drawing/2010/main" val="0"/>
+                </a:ext>
+              </a:extLst>
+            </a:blip>
+            <a:srcRect r="49367"/>
+            <a:stretch/>
+          </p:blipFill>
+          <p:spPr bwMode="auto">
+            <a:xfrm>
+              <a:off x="3804380" y="2432075"/>
+              <a:ext cx="3054209" cy="2579716"/>
+            </a:xfrm>
+            <a:prstGeom prst="rect">
+              <a:avLst/>
+            </a:prstGeom>
+            <a:noFill/>
+            <a:extLst>
+              <a:ext uri="{909E8E84-426E-40DD-AFC4-6F175D3DCCD1}">
+                <a14:hiddenFill xmlns:a14="http://schemas.microsoft.com/office/drawing/2010/main">
+                  <a:solidFill>
+                    <a:srgbClr val="FFFFFF"/>
+                  </a:solidFill>
+                </a14:hiddenFill>
+              </a:ext>
+            </a:extLst>
+          </p:spPr>
+        </p:pic>
+        <p:sp>
+          <p:nvSpPr>
+            <p:cNvPr id="11" name="TextBox 10">
+              <a:extLst>
+                <a:ext uri="{FF2B5EF4-FFF2-40B4-BE49-F238E27FC236}">
+                  <a16:creationId xmlns:a16="http://schemas.microsoft.com/office/drawing/2014/main" id="{E79489EE-BBA5-3A74-1F91-E456C5658B7A}"/>
+                </a:ext>
+              </a:extLst>
+            </p:cNvPr>
+            <p:cNvSpPr txBox="1"/>
+            <p:nvPr/>
+          </p:nvSpPr>
+          <p:spPr>
+            <a:xfrm>
+              <a:off x="6858589" y="2135378"/>
+              <a:ext cx="2447925" cy="369332"/>
+            </a:xfrm>
+            <a:prstGeom prst="rect">
+              <a:avLst/>
+            </a:prstGeom>
+            <a:noFill/>
+          </p:spPr>
+          <p:txBody>
+            <a:bodyPr wrap="square" rtlCol="0">
+              <a:spAutoFit/>
+            </a:bodyPr>
+            <a:lstStyle/>
+            <a:p>
+              <a:pPr algn="ctr"/>
+              <a:r>
+                <a:rPr lang="en-US" dirty="0"/>
+                <a:t>Block 2</a:t>
+              </a:r>
+            </a:p>
+          </p:txBody>
+        </p:sp>
+        <p:sp>
+          <p:nvSpPr>
+            <p:cNvPr id="12" name="TextBox 11">
+              <a:extLst>
+                <a:ext uri="{FF2B5EF4-FFF2-40B4-BE49-F238E27FC236}">
+                  <a16:creationId xmlns:a16="http://schemas.microsoft.com/office/drawing/2014/main" id="{9075C16F-8A68-00DA-30EB-AB79D0EEF281}"/>
+                </a:ext>
+              </a:extLst>
+            </p:cNvPr>
+            <p:cNvSpPr txBox="1"/>
+            <p:nvPr/>
+          </p:nvSpPr>
+          <p:spPr>
+            <a:xfrm>
+              <a:off x="9543929" y="2128857"/>
+              <a:ext cx="2447925" cy="369332"/>
+            </a:xfrm>
+            <a:prstGeom prst="rect">
+              <a:avLst/>
+            </a:prstGeom>
+            <a:noFill/>
+          </p:spPr>
+          <p:txBody>
+            <a:bodyPr wrap="square" rtlCol="0">
+              <a:spAutoFit/>
+            </a:bodyPr>
+            <a:lstStyle/>
+            <a:p>
+              <a:pPr algn="ctr"/>
+              <a:r>
+                <a:rPr lang="en-US" dirty="0"/>
+                <a:t>Block 3</a:t>
+              </a:r>
+            </a:p>
+          </p:txBody>
+        </p:sp>
+      </p:grpSp>
+      <p:sp>
+        <p:nvSpPr>
+          <p:cNvPr id="2" name="Title 1">
+            <a:extLst>
+              <a:ext uri="{FF2B5EF4-FFF2-40B4-BE49-F238E27FC236}">
+                <a16:creationId xmlns:a16="http://schemas.microsoft.com/office/drawing/2014/main" id="{D217C47E-F3BF-52FD-A0D8-CB3C11BAF9DC}"/>
+              </a:ext>
+            </a:extLst>
+          </p:cNvPr>
+          <p:cNvSpPr>
+            <a:spLocks noGrp="1"/>
+          </p:cNvSpPr>
+          <p:nvPr>
+            <p:ph type="title"/>
+          </p:nvPr>
+        </p:nvSpPr>
+        <p:spPr>
+          <a:xfrm>
+            <a:off x="0" y="365125"/>
+            <a:ext cx="11353800" cy="1325563"/>
+          </a:xfrm>
+        </p:spPr>
+        <p:txBody>
+          <a:bodyPr/>
+          <a:lstStyle/>
+          <a:p>
+            <a:r>
+              <a:rPr lang="en-US" dirty="0" err="1"/>
+              <a:t>pNFH</a:t>
+            </a:r>
+            <a:r>
+              <a:rPr lang="en-US" dirty="0"/>
+              <a:t> chains fold back after block 2 to form the inner condensed layer</a:t>
+            </a:r>
+          </a:p>
+        </p:txBody>
+      </p:sp>
+      <p:sp>
+        <p:nvSpPr>
+          <p:cNvPr id="14" name="TextBox 13">
+            <a:extLst>
+              <a:ext uri="{FF2B5EF4-FFF2-40B4-BE49-F238E27FC236}">
+                <a16:creationId xmlns:a16="http://schemas.microsoft.com/office/drawing/2014/main" id="{659B2064-5A91-BAF7-072C-A2E026230621}"/>
+              </a:ext>
+            </a:extLst>
+          </p:cNvPr>
+          <p:cNvSpPr txBox="1"/>
+          <p:nvPr/>
+        </p:nvSpPr>
+        <p:spPr>
+          <a:xfrm>
+            <a:off x="8934450" y="3152775"/>
+            <a:ext cx="2815495" cy="369332"/>
+          </a:xfrm>
+          <a:prstGeom prst="rect">
+            <a:avLst/>
+          </a:prstGeom>
+          <a:noFill/>
+        </p:spPr>
+        <p:txBody>
+          <a:bodyPr wrap="square" rtlCol="0">
+            <a:spAutoFit/>
+          </a:bodyPr>
+          <a:lstStyle/>
+          <a:p>
+            <a:r>
+              <a:rPr lang="en-US" dirty="0"/>
+              <a:t>Remaining look like Block 3</a:t>
+            </a:r>
+          </a:p>
+        </p:txBody>
+      </p:sp>
+    </p:spTree>
+    <p:extLst>
+      <p:ext uri="{BB962C8B-B14F-4D97-AF65-F5344CB8AC3E}">
+        <p14:creationId xmlns:p14="http://schemas.microsoft.com/office/powerpoint/2010/main" val="2848654410"/>
+      </p:ext>
+    </p:extLst>
+  </p:cSld>
+  <p:clrMapOvr>
+    <a:masterClrMapping/>
+  </p:clrMapOvr>
+</p:sld>
+</file>
+
+<file path=ppt/slides/slide11.xml><?xml version="1.0" encoding="utf-8"?>
+<p:sld xmlns:a="http://schemas.openxmlformats.org/drawingml/2006/main" xmlns:r="http://schemas.openxmlformats.org/officeDocument/2006/relationships" xmlns:p="http://schemas.openxmlformats.org/presentationml/2006/main">
+  <p:cSld>
+    <p:spTree>
+      <p:nvGrpSpPr>
+        <p:cNvPr id="1" name=""/>
+        <p:cNvGrpSpPr/>
+        <p:nvPr/>
+      </p:nvGrpSpPr>
+      <p:grpSpPr>
+        <a:xfrm>
+          <a:off x="0" y="0"/>
+          <a:ext cx="0" cy="0"/>
+          <a:chOff x="0" y="0"/>
+          <a:chExt cx="0" cy="0"/>
+        </a:xfrm>
+      </p:grpSpPr>
+      <p:sp>
+        <p:nvSpPr>
+          <p:cNvPr id="2" name="Title 1">
+            <a:extLst>
+              <a:ext uri="{FF2B5EF4-FFF2-40B4-BE49-F238E27FC236}">
+                <a16:creationId xmlns:a16="http://schemas.microsoft.com/office/drawing/2014/main" id="{07F72577-5A72-5DD1-ACE3-5B449DA40FAC}"/>
+              </a:ext>
+            </a:extLst>
+          </p:cNvPr>
+          <p:cNvSpPr>
+            <a:spLocks noGrp="1"/>
+          </p:cNvSpPr>
+          <p:nvPr>
+            <p:ph type="title"/>
+          </p:nvPr>
+        </p:nvSpPr>
+        <p:spPr>
+          <a:xfrm>
+            <a:off x="0" y="365125"/>
+            <a:ext cx="11353800" cy="1325563"/>
+          </a:xfrm>
+        </p:spPr>
+        <p:txBody>
+          <a:bodyPr/>
+          <a:lstStyle/>
+          <a:p>
+            <a:r>
+              <a:rPr lang="en-US" dirty="0"/>
+              <a:t>A fraction of </a:t>
+            </a:r>
+            <a:r>
+              <a:rPr lang="en-US" dirty="0" err="1"/>
+              <a:t>pNFH</a:t>
+            </a:r>
+            <a:r>
+              <a:rPr lang="en-US" dirty="0"/>
+              <a:t> chains do not fold back, forming the outer dilute layer</a:t>
+            </a:r>
+          </a:p>
+        </p:txBody>
+      </p:sp>
+      <p:sp>
+        <p:nvSpPr>
+          <p:cNvPr id="3" name="TextBox 2">
+            <a:extLst>
+              <a:ext uri="{FF2B5EF4-FFF2-40B4-BE49-F238E27FC236}">
+                <a16:creationId xmlns:a16="http://schemas.microsoft.com/office/drawing/2014/main" id="{F32B6F07-CE5C-01C6-F8FE-C6472B58F107}"/>
+              </a:ext>
+            </a:extLst>
+          </p:cNvPr>
+          <p:cNvSpPr txBox="1"/>
+          <p:nvPr/>
+        </p:nvSpPr>
+        <p:spPr>
+          <a:xfrm>
+            <a:off x="1210484" y="2042797"/>
+            <a:ext cx="1352550" cy="369332"/>
+          </a:xfrm>
+          <a:prstGeom prst="rect">
+            <a:avLst/>
+          </a:prstGeom>
+          <a:noFill/>
+        </p:spPr>
+        <p:txBody>
+          <a:bodyPr wrap="square" rtlCol="0">
+            <a:spAutoFit/>
+          </a:bodyPr>
+          <a:lstStyle/>
+          <a:p>
+            <a:pPr algn="ctr"/>
+            <a:r>
+              <a:rPr lang="en-US" dirty="0"/>
+              <a:t>Block 2</a:t>
+            </a:r>
+          </a:p>
+        </p:txBody>
+      </p:sp>
+      <p:sp>
+        <p:nvSpPr>
+          <p:cNvPr id="4" name="TextBox 3">
+            <a:extLst>
+              <a:ext uri="{FF2B5EF4-FFF2-40B4-BE49-F238E27FC236}">
+                <a16:creationId xmlns:a16="http://schemas.microsoft.com/office/drawing/2014/main" id="{D2CF47A0-A281-EF33-FD2A-4964CE145836}"/>
+              </a:ext>
+            </a:extLst>
+          </p:cNvPr>
+          <p:cNvSpPr txBox="1"/>
+          <p:nvPr/>
+        </p:nvSpPr>
+        <p:spPr>
+          <a:xfrm>
+            <a:off x="6829426" y="2042797"/>
+            <a:ext cx="1352550" cy="369332"/>
+          </a:xfrm>
+          <a:prstGeom prst="rect">
+            <a:avLst/>
+          </a:prstGeom>
+          <a:noFill/>
+        </p:spPr>
+        <p:txBody>
+          <a:bodyPr wrap="square" rtlCol="0">
+            <a:spAutoFit/>
+          </a:bodyPr>
+          <a:lstStyle/>
+          <a:p>
+            <a:pPr algn="ctr"/>
+            <a:r>
+              <a:rPr lang="en-US" dirty="0"/>
+              <a:t>Block 4</a:t>
+            </a:r>
+          </a:p>
+        </p:txBody>
+      </p:sp>
+      <p:pic>
+        <p:nvPicPr>
+          <p:cNvPr id="5" name="Picture 10">
+            <a:extLst>
+              <a:ext uri="{FF2B5EF4-FFF2-40B4-BE49-F238E27FC236}">
+                <a16:creationId xmlns:a16="http://schemas.microsoft.com/office/drawing/2014/main" id="{E98FBB88-5F20-DF0B-D7CE-5980AD8E0ADA}"/>
+              </a:ext>
+            </a:extLst>
+          </p:cNvPr>
+          <p:cNvPicPr>
+            <a:picLocks noChangeAspect="1" noChangeArrowheads="1"/>
+          </p:cNvPicPr>
+          <p:nvPr/>
+        </p:nvPicPr>
+        <p:blipFill rotWithShape="1">
+          <a:blip r:embed="rId2">
+            <a:extLst>
+              <a:ext uri="{28A0092B-C50C-407E-A947-70E740481C1C}">
+                <a14:useLocalDpi xmlns:a14="http://schemas.microsoft.com/office/drawing/2010/main" val="0"/>
+              </a:ext>
+            </a:extLst>
+          </a:blip>
+          <a:srcRect l="51531"/>
+          <a:stretch/>
+        </p:blipFill>
+        <p:spPr bwMode="auto">
+          <a:xfrm>
+            <a:off x="8564336" y="2308962"/>
+            <a:ext cx="3122839" cy="2755420"/>
+          </a:xfrm>
+          <a:prstGeom prst="rect">
+            <a:avLst/>
+          </a:prstGeom>
+          <a:noFill/>
+          <a:extLst>
+            <a:ext uri="{909E8E84-426E-40DD-AFC4-6F175D3DCCD1}">
+              <a14:hiddenFill xmlns:a14="http://schemas.microsoft.com/office/drawing/2010/main">
+                <a:solidFill>
+                  <a:srgbClr val="FFFFFF"/>
+                </a:solidFill>
+              </a14:hiddenFill>
+            </a:ext>
+          </a:extLst>
+        </p:spPr>
+      </p:pic>
+      <p:pic>
+        <p:nvPicPr>
+          <p:cNvPr id="6" name="Picture 5">
+            <a:extLst>
+              <a:ext uri="{FF2B5EF4-FFF2-40B4-BE49-F238E27FC236}">
+                <a16:creationId xmlns:a16="http://schemas.microsoft.com/office/drawing/2014/main" id="{F04D1B41-23F0-7A37-D58F-E46BF73AD8C7}"/>
+              </a:ext>
+            </a:extLst>
+          </p:cNvPr>
+          <p:cNvPicPr>
+            <a:picLocks noChangeAspect="1" noChangeArrowheads="1"/>
+          </p:cNvPicPr>
+          <p:nvPr/>
+        </p:nvPicPr>
+        <p:blipFill rotWithShape="1">
+          <a:blip r:embed="rId3">
+            <a:extLst>
+              <a:ext uri="{28A0092B-C50C-407E-A947-70E740481C1C}">
+                <a14:useLocalDpi xmlns:a14="http://schemas.microsoft.com/office/drawing/2010/main" val="0"/>
+              </a:ext>
+            </a:extLst>
+          </a:blip>
+          <a:srcRect l="51154"/>
+          <a:stretch/>
+        </p:blipFill>
+        <p:spPr bwMode="auto">
+          <a:xfrm>
+            <a:off x="5792563" y="2329006"/>
+            <a:ext cx="3124200" cy="2735376"/>
+          </a:xfrm>
+          <a:prstGeom prst="rect">
+            <a:avLst/>
+          </a:prstGeom>
+          <a:noFill/>
+          <a:extLst>
+            <a:ext uri="{909E8E84-426E-40DD-AFC4-6F175D3DCCD1}">
+              <a14:hiddenFill xmlns:a14="http://schemas.microsoft.com/office/drawing/2010/main">
+                <a:solidFill>
+                  <a:srgbClr val="FFFFFF"/>
+                </a:solidFill>
+              </a14:hiddenFill>
+            </a:ext>
+          </a:extLst>
+        </p:spPr>
+      </p:pic>
+      <p:sp>
+        <p:nvSpPr>
+          <p:cNvPr id="8" name="TextBox 7">
+            <a:extLst>
+              <a:ext uri="{FF2B5EF4-FFF2-40B4-BE49-F238E27FC236}">
+                <a16:creationId xmlns:a16="http://schemas.microsoft.com/office/drawing/2014/main" id="{D27793C1-2034-C652-E9E8-BD5BD54FEC73}"/>
+              </a:ext>
+            </a:extLst>
+          </p:cNvPr>
+          <p:cNvSpPr txBox="1"/>
+          <p:nvPr/>
+        </p:nvSpPr>
+        <p:spPr>
+          <a:xfrm>
+            <a:off x="9599839" y="2042797"/>
+            <a:ext cx="1352550" cy="369332"/>
+          </a:xfrm>
+          <a:prstGeom prst="rect">
+            <a:avLst/>
+          </a:prstGeom>
+          <a:noFill/>
+        </p:spPr>
+        <p:txBody>
+          <a:bodyPr wrap="square" rtlCol="0">
+            <a:spAutoFit/>
+          </a:bodyPr>
+          <a:lstStyle/>
+          <a:p>
+            <a:pPr algn="ctr"/>
+            <a:r>
+              <a:rPr lang="en-US" dirty="0"/>
+              <a:t>Block 6</a:t>
+            </a:r>
+          </a:p>
+        </p:txBody>
+      </p:sp>
+      <p:pic>
+        <p:nvPicPr>
+          <p:cNvPr id="5122" name="Picture 2">
+            <a:extLst>
+              <a:ext uri="{FF2B5EF4-FFF2-40B4-BE49-F238E27FC236}">
+                <a16:creationId xmlns:a16="http://schemas.microsoft.com/office/drawing/2014/main" id="{33D264D1-3007-A85A-FB7E-4653CB29F42A}"/>
+              </a:ext>
+            </a:extLst>
+          </p:cNvPr>
+          <p:cNvPicPr>
+            <a:picLocks noChangeAspect="1" noChangeArrowheads="1"/>
+          </p:cNvPicPr>
+          <p:nvPr/>
+        </p:nvPicPr>
+        <p:blipFill rotWithShape="1">
+          <a:blip r:embed="rId4">
+            <a:extLst>
+              <a:ext uri="{28A0092B-C50C-407E-A947-70E740481C1C}">
+                <a14:useLocalDpi xmlns:a14="http://schemas.microsoft.com/office/drawing/2010/main" val="0"/>
+              </a:ext>
+            </a:extLst>
+          </a:blip>
+          <a:srcRect l="51912"/>
+          <a:stretch/>
+        </p:blipFill>
+        <p:spPr bwMode="auto">
+          <a:xfrm>
+            <a:off x="3048064" y="2317990"/>
+            <a:ext cx="3098286" cy="2755420"/>
+          </a:xfrm>
+          <a:prstGeom prst="rect">
+            <a:avLst/>
+          </a:prstGeom>
+          <a:noFill/>
+          <a:extLst>
+            <a:ext uri="{909E8E84-426E-40DD-AFC4-6F175D3DCCD1}">
+              <a14:hiddenFill xmlns:a14="http://schemas.microsoft.com/office/drawing/2010/main">
+                <a:solidFill>
+                  <a:srgbClr val="FFFFFF"/>
+                </a:solidFill>
+              </a14:hiddenFill>
+            </a:ext>
+          </a:extLst>
+        </p:spPr>
+      </p:pic>
+      <p:pic>
+        <p:nvPicPr>
+          <p:cNvPr id="7" name="Picture 6">
+            <a:extLst>
+              <a:ext uri="{FF2B5EF4-FFF2-40B4-BE49-F238E27FC236}">
+                <a16:creationId xmlns:a16="http://schemas.microsoft.com/office/drawing/2014/main" id="{96EA4561-9620-4DED-9540-8391BF7DDECF}"/>
+              </a:ext>
+            </a:extLst>
+          </p:cNvPr>
+          <p:cNvPicPr>
+            <a:picLocks noChangeAspect="1" noChangeArrowheads="1"/>
+          </p:cNvPicPr>
+          <p:nvPr/>
+        </p:nvPicPr>
+        <p:blipFill rotWithShape="1">
+          <a:blip r:embed="rId5">
+            <a:extLst>
+              <a:ext uri="{28A0092B-C50C-407E-A947-70E740481C1C}">
+                <a14:useLocalDpi xmlns:a14="http://schemas.microsoft.com/office/drawing/2010/main" val="0"/>
+              </a:ext>
+            </a:extLst>
+          </a:blip>
+          <a:srcRect l="51175"/>
+          <a:stretch/>
+        </p:blipFill>
+        <p:spPr bwMode="auto">
+          <a:xfrm>
+            <a:off x="229961" y="2317990"/>
+            <a:ext cx="3122839" cy="2735376"/>
+          </a:xfrm>
+          <a:prstGeom prst="rect">
+            <a:avLst/>
+          </a:prstGeom>
+          <a:noFill/>
+          <a:extLst>
+            <a:ext uri="{909E8E84-426E-40DD-AFC4-6F175D3DCCD1}">
+              <a14:hiddenFill xmlns:a14="http://schemas.microsoft.com/office/drawing/2010/main">
+                <a:solidFill>
+                  <a:srgbClr val="FFFFFF"/>
+                </a:solidFill>
+              </a14:hiddenFill>
+            </a:ext>
+          </a:extLst>
+        </p:spPr>
+      </p:pic>
+      <p:sp>
+        <p:nvSpPr>
+          <p:cNvPr id="9" name="TextBox 8">
+            <a:extLst>
+              <a:ext uri="{FF2B5EF4-FFF2-40B4-BE49-F238E27FC236}">
+                <a16:creationId xmlns:a16="http://schemas.microsoft.com/office/drawing/2014/main" id="{D6833E3C-2387-0CC6-DDF4-1E0608DEDE99}"/>
+              </a:ext>
+            </a:extLst>
+          </p:cNvPr>
+          <p:cNvSpPr txBox="1"/>
+          <p:nvPr/>
+        </p:nvSpPr>
+        <p:spPr>
+          <a:xfrm>
+            <a:off x="4098475" y="2042797"/>
+            <a:ext cx="1352550" cy="369332"/>
+          </a:xfrm>
+          <a:prstGeom prst="rect">
+            <a:avLst/>
+          </a:prstGeom>
+          <a:noFill/>
+        </p:spPr>
+        <p:txBody>
+          <a:bodyPr wrap="square" rtlCol="0">
+            <a:spAutoFit/>
+          </a:bodyPr>
+          <a:lstStyle/>
+          <a:p>
+            <a:pPr algn="ctr"/>
+            <a:r>
+              <a:rPr lang="en-US" dirty="0"/>
+              <a:t>Block 3</a:t>
+            </a:r>
+          </a:p>
+        </p:txBody>
+      </p:sp>
+      <p:sp>
+        <p:nvSpPr>
+          <p:cNvPr id="10" name="Rectangle 9">
+            <a:extLst>
+              <a:ext uri="{FF2B5EF4-FFF2-40B4-BE49-F238E27FC236}">
+                <a16:creationId xmlns:a16="http://schemas.microsoft.com/office/drawing/2014/main" id="{3341C1C7-5668-679E-304B-DFC21326D088}"/>
+              </a:ext>
+            </a:extLst>
+          </p:cNvPr>
+          <p:cNvSpPr/>
+          <p:nvPr/>
+        </p:nvSpPr>
+        <p:spPr>
+          <a:xfrm>
+            <a:off x="3837830" y="3371851"/>
+            <a:ext cx="260645" cy="1276350"/>
+          </a:xfrm>
+          <a:prstGeom prst="rect">
+            <a:avLst/>
+          </a:prstGeom>
+          <a:noFill/>
+          <a:ln w="38100">
+            <a:solidFill>
+              <a:schemeClr val="tx1"/>
+            </a:solidFill>
+          </a:ln>
+        </p:spPr>
+        <p:style>
+          <a:lnRef idx="2">
+            <a:schemeClr val="accent1">
+              <a:shade val="15000"/>
+            </a:schemeClr>
+          </a:lnRef>
+          <a:fillRef idx="1">
+            <a:schemeClr val="accent1"/>
+          </a:fillRef>
+          <a:effectRef idx="0">
+            <a:schemeClr val="accent1"/>
+          </a:effectRef>
+          <a:fontRef idx="minor">
+            <a:schemeClr val="lt1"/>
+          </a:fontRef>
+        </p:style>
+        <p:txBody>
+          <a:bodyPr rtlCol="0" anchor="ctr"/>
+          <a:lstStyle/>
+          <a:p>
+            <a:pPr algn="ctr"/>
+            <a:endParaRPr lang="en-US"/>
+          </a:p>
+        </p:txBody>
+      </p:sp>
+      <p:cxnSp>
+        <p:nvCxnSpPr>
+          <p:cNvPr id="12" name="Straight Arrow Connector 11">
+            <a:extLst>
+              <a:ext uri="{FF2B5EF4-FFF2-40B4-BE49-F238E27FC236}">
+                <a16:creationId xmlns:a16="http://schemas.microsoft.com/office/drawing/2014/main" id="{81595C6F-4E62-D276-89E3-70C5FBD0FB7D}"/>
+              </a:ext>
+            </a:extLst>
+          </p:cNvPr>
+          <p:cNvCxnSpPr>
+            <a:cxnSpLocks/>
+          </p:cNvCxnSpPr>
+          <p:nvPr/>
+        </p:nvCxnSpPr>
+        <p:spPr>
+          <a:xfrm flipV="1">
+            <a:off x="3330795" y="4816195"/>
+            <a:ext cx="507035" cy="864473"/>
+          </a:xfrm>
+          <a:prstGeom prst="straightConnector1">
+            <a:avLst/>
+          </a:prstGeom>
+          <a:ln w="28575">
+            <a:solidFill>
+              <a:schemeClr val="tx1"/>
+            </a:solidFill>
+            <a:tailEnd type="triangle"/>
+          </a:ln>
+        </p:spPr>
+        <p:style>
+          <a:lnRef idx="1">
+            <a:schemeClr val="accent1"/>
+          </a:lnRef>
+          <a:fillRef idx="0">
+            <a:schemeClr val="accent1"/>
+          </a:fillRef>
+          <a:effectRef idx="0">
+            <a:schemeClr val="accent1"/>
+          </a:effectRef>
+          <a:fontRef idx="minor">
+            <a:schemeClr val="tx1"/>
+          </a:fontRef>
+        </p:style>
+      </p:cxnSp>
+      <p:sp>
+        <p:nvSpPr>
+          <p:cNvPr id="14" name="TextBox 13">
+            <a:extLst>
+              <a:ext uri="{FF2B5EF4-FFF2-40B4-BE49-F238E27FC236}">
+                <a16:creationId xmlns:a16="http://schemas.microsoft.com/office/drawing/2014/main" id="{74FD1C70-DFC4-6986-F60F-D6DF311B4215}"/>
+              </a:ext>
+            </a:extLst>
+          </p:cNvPr>
+          <p:cNvSpPr txBox="1"/>
+          <p:nvPr/>
+        </p:nvSpPr>
+        <p:spPr>
+          <a:xfrm>
+            <a:off x="517075" y="5498738"/>
+            <a:ext cx="3320755" cy="923330"/>
+          </a:xfrm>
+          <a:prstGeom prst="rect">
+            <a:avLst/>
+          </a:prstGeom>
+          <a:noFill/>
+        </p:spPr>
+        <p:txBody>
+          <a:bodyPr wrap="square" rtlCol="0">
+            <a:spAutoFit/>
+          </a:bodyPr>
+          <a:lstStyle/>
+          <a:p>
+            <a:r>
+              <a:rPr lang="en-US" dirty="0"/>
+              <a:t>All dilute layers start with a distinct peak formed by Block 3. This is the region of </a:t>
+            </a:r>
+            <a:r>
+              <a:rPr lang="en-US" dirty="0" err="1"/>
+              <a:t>KsP</a:t>
+            </a:r>
+            <a:r>
+              <a:rPr lang="en-US" dirty="0"/>
+              <a:t> repeats</a:t>
+            </a:r>
+          </a:p>
+        </p:txBody>
+      </p:sp>
+      <p:grpSp>
+        <p:nvGrpSpPr>
+          <p:cNvPr id="17" name="Group 16">
+            <a:extLst>
+              <a:ext uri="{FF2B5EF4-FFF2-40B4-BE49-F238E27FC236}">
+                <a16:creationId xmlns:a16="http://schemas.microsoft.com/office/drawing/2014/main" id="{8E934ABB-A01E-00C8-97DF-1CC2455DEFEC}"/>
+              </a:ext>
+            </a:extLst>
+          </p:cNvPr>
+          <p:cNvGrpSpPr/>
+          <p:nvPr/>
+        </p:nvGrpSpPr>
+        <p:grpSpPr>
+          <a:xfrm>
+            <a:off x="4624991" y="5529702"/>
+            <a:ext cx="5198156" cy="1045748"/>
+            <a:chOff x="4401683" y="5797272"/>
+            <a:chExt cx="5198156" cy="1045748"/>
+          </a:xfrm>
+        </p:grpSpPr>
+        <p:pic>
+          <p:nvPicPr>
+            <p:cNvPr id="15" name="Picture 2">
+              <a:extLst>
+                <a:ext uri="{FF2B5EF4-FFF2-40B4-BE49-F238E27FC236}">
+                  <a16:creationId xmlns:a16="http://schemas.microsoft.com/office/drawing/2014/main" id="{FB2C309F-6411-1660-F2F4-F3349599A359}"/>
+                </a:ext>
+              </a:extLst>
+            </p:cNvPr>
+            <p:cNvPicPr>
+              <a:picLocks noChangeAspect="1" noChangeArrowheads="1"/>
+            </p:cNvPicPr>
+            <p:nvPr/>
+          </p:nvPicPr>
+          <p:blipFill rotWithShape="1">
+            <a:blip r:embed="rId6">
+              <a:extLst>
+                <a:ext uri="{28A0092B-C50C-407E-A947-70E740481C1C}">
+                  <a14:useLocalDpi xmlns:a14="http://schemas.microsoft.com/office/drawing/2010/main" val="0"/>
+                </a:ext>
+              </a:extLst>
+            </a:blip>
+            <a:srcRect b="20854"/>
+            <a:stretch/>
+          </p:blipFill>
+          <p:spPr bwMode="auto">
+            <a:xfrm>
+              <a:off x="4401683" y="5797272"/>
+              <a:ext cx="5198156" cy="1045748"/>
+            </a:xfrm>
+            <a:prstGeom prst="rect">
+              <a:avLst/>
+            </a:prstGeom>
+            <a:noFill/>
+            <a:extLst>
+              <a:ext uri="{909E8E84-426E-40DD-AFC4-6F175D3DCCD1}">
+                <a14:hiddenFill xmlns:a14="http://schemas.microsoft.com/office/drawing/2010/main">
+                  <a:solidFill>
+                    <a:srgbClr val="FFFFFF"/>
+                  </a:solidFill>
+                </a14:hiddenFill>
+              </a:ext>
+            </a:extLst>
+          </p:spPr>
+        </p:pic>
+        <p:sp>
+          <p:nvSpPr>
+            <p:cNvPr id="16" name="Rectangle 15">
+              <a:extLst>
+                <a:ext uri="{FF2B5EF4-FFF2-40B4-BE49-F238E27FC236}">
+                  <a16:creationId xmlns:a16="http://schemas.microsoft.com/office/drawing/2014/main" id="{2038CAC4-F874-FC27-BCB3-DFA8E9A07166}"/>
+                </a:ext>
+              </a:extLst>
+            </p:cNvPr>
+            <p:cNvSpPr/>
+            <p:nvPr/>
+          </p:nvSpPr>
+          <p:spPr>
+            <a:xfrm>
+              <a:off x="5046888" y="5797272"/>
+              <a:ext cx="1924114" cy="1045748"/>
+            </a:xfrm>
+            <a:prstGeom prst="rect">
+              <a:avLst/>
+            </a:prstGeom>
+            <a:noFill/>
+            <a:ln w="38100">
+              <a:solidFill>
+                <a:schemeClr val="tx1"/>
+              </a:solidFill>
+            </a:ln>
+          </p:spPr>
+          <p:style>
+            <a:lnRef idx="2">
+              <a:schemeClr val="accent1">
+                <a:shade val="15000"/>
+              </a:schemeClr>
+            </a:lnRef>
+            <a:fillRef idx="1">
+              <a:schemeClr val="accent1"/>
+            </a:fillRef>
+            <a:effectRef idx="0">
+              <a:schemeClr val="accent1"/>
+            </a:effectRef>
+            <a:fontRef idx="minor">
+              <a:schemeClr val="lt1"/>
+            </a:fontRef>
+          </p:style>
+          <p:txBody>
+            <a:bodyPr rtlCol="0" anchor="ctr"/>
+            <a:lstStyle/>
+            <a:p>
+              <a:pPr algn="ctr"/>
+              <a:endParaRPr lang="en-US"/>
+            </a:p>
+          </p:txBody>
+        </p:sp>
+      </p:grpSp>
+      <p:cxnSp>
+        <p:nvCxnSpPr>
+          <p:cNvPr id="20" name="Straight Arrow Connector 19">
+            <a:extLst>
+              <a:ext uri="{FF2B5EF4-FFF2-40B4-BE49-F238E27FC236}">
+                <a16:creationId xmlns:a16="http://schemas.microsoft.com/office/drawing/2014/main" id="{6AE3D1AB-5B49-0838-AF11-0BA29D376322}"/>
+              </a:ext>
+            </a:extLst>
+          </p:cNvPr>
+          <p:cNvCxnSpPr>
+            <a:cxnSpLocks/>
+          </p:cNvCxnSpPr>
+          <p:nvPr/>
+        </p:nvCxnSpPr>
+        <p:spPr>
+          <a:xfrm>
+            <a:off x="3742247" y="5960403"/>
+            <a:ext cx="821335" cy="0"/>
+          </a:xfrm>
+          <a:prstGeom prst="straightConnector1">
+            <a:avLst/>
+          </a:prstGeom>
+          <a:ln w="28575">
+            <a:solidFill>
+              <a:schemeClr val="tx1"/>
+            </a:solidFill>
+            <a:tailEnd type="triangle"/>
+          </a:ln>
+        </p:spPr>
+        <p:style>
+          <a:lnRef idx="1">
+            <a:schemeClr val="accent1"/>
+          </a:lnRef>
+          <a:fillRef idx="0">
+            <a:schemeClr val="accent1"/>
+          </a:fillRef>
+          <a:effectRef idx="0">
+            <a:schemeClr val="accent1"/>
+          </a:effectRef>
+          <a:fontRef idx="minor">
+            <a:schemeClr val="tx1"/>
+          </a:fontRef>
+        </p:style>
+      </p:cxnSp>
+    </p:spTree>
+    <p:extLst>
+      <p:ext uri="{BB962C8B-B14F-4D97-AF65-F5344CB8AC3E}">
+        <p14:creationId xmlns:p14="http://schemas.microsoft.com/office/powerpoint/2010/main" val="2053212950"/>
+      </p:ext>
+    </p:extLst>
+  </p:cSld>
+  <p:clrMapOvr>
+    <a:masterClrMapping/>
+  </p:clrMapOvr>
+</p:sld>
+</file>
+
 <file path=ppt/slides/slide2.xml><?xml version="1.0" encoding="utf-8"?>
 <p:sld xmlns:a="http://schemas.openxmlformats.org/drawingml/2006/main" xmlns:r="http://schemas.openxmlformats.org/officeDocument/2006/relationships" xmlns:p="http://schemas.openxmlformats.org/presentationml/2006/main">
   <p:cSld>
@@ -3559,7 +4624,12 @@
             <p:ph type="title"/>
           </p:nvPr>
         </p:nvSpPr>
-        <p:spPr/>
+        <p:spPr>
+          <a:xfrm>
+            <a:off x="0" y="365125"/>
+            <a:ext cx="11353800" cy="1325563"/>
+          </a:xfrm>
+        </p:spPr>
         <p:txBody>
           <a:bodyPr/>
           <a:lstStyle/>
@@ -3644,15 +4714,7 @@
           <a:p>
             <a:r>
               <a:rPr lang="en-US" dirty="0"/>
-              <a:t>Analysis of other b and v values for </a:t>
-            </a:r>
-            <a:r>
-              <a:rPr lang="en-US" dirty="0" err="1"/>
-              <a:t>pNFM</a:t>
-            </a:r>
-            <a:r>
-              <a:rPr lang="en-US" dirty="0"/>
-              <a:t>: </a:t>
+              <a:t>b and v values : </a:t>
             </a:r>
             <a:br>
               <a:rPr lang="en-US" dirty="0"/>
@@ -4078,7 +5140,7 @@
           <a:p>
             <a:r>
               <a:rPr lang="en-US" sz="3600" dirty="0"/>
-              <a:t>Changing coarse-graining procedure makes little difference </a:t>
+              <a:t>Finer coarse-graining makes little difference </a:t>
             </a:r>
           </a:p>
         </p:txBody>
@@ -4707,7 +5769,12 @@
             <p:ph type="title"/>
           </p:nvPr>
         </p:nvSpPr>
-        <p:spPr/>
+        <p:spPr>
+          <a:xfrm>
+            <a:off x="0" y="365125"/>
+            <a:ext cx="11353800" cy="1325563"/>
+          </a:xfrm>
+        </p:spPr>
         <p:txBody>
           <a:bodyPr/>
           <a:lstStyle/>
@@ -4715,6 +5782,85 @@
             <a:r>
               <a:rPr lang="en-US" dirty="0"/>
               <a:t>Results</a:t>
+            </a:r>
+          </a:p>
+        </p:txBody>
+      </p:sp>
+      <p:sp>
+        <p:nvSpPr>
+          <p:cNvPr id="3" name="TextBox 2">
+            <a:extLst>
+              <a:ext uri="{FF2B5EF4-FFF2-40B4-BE49-F238E27FC236}">
+                <a16:creationId xmlns:a16="http://schemas.microsoft.com/office/drawing/2014/main" id="{3902654F-89C7-E275-CCA2-7FD115532B6F}"/>
+              </a:ext>
+            </a:extLst>
+          </p:cNvPr>
+          <p:cNvSpPr txBox="1"/>
+          <p:nvPr/>
+        </p:nvSpPr>
+        <p:spPr>
+          <a:xfrm>
+            <a:off x="638175" y="1790700"/>
+            <a:ext cx="10915650" cy="1938992"/>
+          </a:xfrm>
+          <a:prstGeom prst="rect">
+            <a:avLst/>
+          </a:prstGeom>
+          <a:noFill/>
+        </p:spPr>
+        <p:txBody>
+          <a:bodyPr wrap="square" rtlCol="0">
+            <a:spAutoFit/>
+          </a:bodyPr>
+          <a:lstStyle/>
+          <a:p>
+            <a:pPr>
+              <a:spcAft>
+                <a:spcPts val="1200"/>
+              </a:spcAft>
+            </a:pPr>
+            <a:r>
+              <a:rPr lang="en-US" dirty="0"/>
+              <a:t>Notes:</a:t>
+            </a:r>
+          </a:p>
+          <a:p>
+            <a:pPr marL="285750" indent="-285750">
+              <a:spcAft>
+                <a:spcPts val="1200"/>
+              </a:spcAft>
+              <a:buFont typeface="Arial" panose="020B0604020202020204" pitchFamily="34" charset="0"/>
+              <a:buChar char="•"/>
+            </a:pPr>
+            <a:r>
+              <a:rPr lang="en-US" dirty="0"/>
+              <a:t>b and v values between non- and phosphorylated NFH and NFM are the same; only difference is charge distribution</a:t>
+            </a:r>
+          </a:p>
+          <a:p>
+            <a:pPr marL="285750" indent="-285750">
+              <a:spcAft>
+                <a:spcPts val="1200"/>
+              </a:spcAft>
+              <a:buFont typeface="Arial" panose="020B0604020202020204" pitchFamily="34" charset="0"/>
+              <a:buChar char="•"/>
+            </a:pPr>
+            <a:r>
+              <a:rPr lang="en-US" dirty="0"/>
+              <a:t>-1.5e used for charge of phosphorylated sites</a:t>
+            </a:r>
+          </a:p>
+          <a:p>
+            <a:pPr marL="285750" indent="-285750">
+              <a:spcAft>
+                <a:spcPts val="1200"/>
+              </a:spcAft>
+              <a:buFont typeface="Arial" panose="020B0604020202020204" pitchFamily="34" charset="0"/>
+              <a:buChar char="•"/>
+            </a:pPr>
+            <a:r>
+              <a:rPr lang="en-US" dirty="0"/>
+              <a:t>Same chi values for each amino acid were used for all results</a:t>
             </a:r>
           </a:p>
         </p:txBody>
@@ -4765,18 +5911,27 @@
             <p:ph type="title"/>
           </p:nvPr>
         </p:nvSpPr>
-        <p:spPr/>
+        <p:spPr>
+          <a:xfrm>
+            <a:off x="0" y="365125"/>
+            <a:ext cx="11353800" cy="1325563"/>
+          </a:xfrm>
+        </p:spPr>
         <p:txBody>
           <a:bodyPr/>
           <a:lstStyle/>
           <a:p>
+            <a:r>
+              <a:rPr lang="en-US" dirty="0"/>
+              <a:t>There are no significant differences between </a:t>
+            </a:r>
             <a:r>
               <a:rPr lang="en-US" dirty="0" err="1"/>
               <a:t>pNFM</a:t>
             </a:r>
             <a:r>
               <a:rPr lang="en-US" dirty="0"/>
-              <a:t> </a:t>
+              <a:t> (left) and NFM (right).</a:t>
             </a:r>
           </a:p>
         </p:txBody>
@@ -4808,7 +5963,7 @@
         </p:blipFill>
         <p:spPr bwMode="auto">
           <a:xfrm>
-            <a:off x="4997252" y="2429435"/>
+            <a:off x="4390827" y="1982894"/>
             <a:ext cx="4250651" cy="3557028"/>
           </a:xfrm>
           <a:prstGeom prst="rect">
@@ -4853,7 +6008,7 @@
         </p:blipFill>
         <p:spPr bwMode="auto">
           <a:xfrm>
-            <a:off x="1411381" y="2429435"/>
+            <a:off x="804956" y="1982894"/>
             <a:ext cx="4257729" cy="3557028"/>
           </a:xfrm>
           <a:prstGeom prst="rect">
@@ -4871,10 +6026,461 @@
           </a:extLst>
         </p:spPr>
       </p:pic>
+      <p:cxnSp>
+        <p:nvCxnSpPr>
+          <p:cNvPr id="6" name="Straight Arrow Connector 5">
+            <a:extLst>
+              <a:ext uri="{FF2B5EF4-FFF2-40B4-BE49-F238E27FC236}">
+                <a16:creationId xmlns:a16="http://schemas.microsoft.com/office/drawing/2014/main" id="{81B96395-620C-A9A8-3BD7-D27DFC3D6E46}"/>
+              </a:ext>
+            </a:extLst>
+          </p:cNvPr>
+          <p:cNvCxnSpPr>
+            <a:cxnSpLocks/>
+          </p:cNvCxnSpPr>
+          <p:nvPr/>
+        </p:nvCxnSpPr>
+        <p:spPr>
+          <a:xfrm flipH="1">
+            <a:off x="2764305" y="3643143"/>
+            <a:ext cx="490531" cy="867798"/>
+          </a:xfrm>
+          <a:prstGeom prst="straightConnector1">
+            <a:avLst/>
+          </a:prstGeom>
+          <a:ln w="19050">
+            <a:tailEnd type="triangle"/>
+          </a:ln>
+        </p:spPr>
+        <p:style>
+          <a:lnRef idx="1">
+            <a:schemeClr val="accent1"/>
+          </a:lnRef>
+          <a:fillRef idx="0">
+            <a:schemeClr val="accent1"/>
+          </a:fillRef>
+          <a:effectRef idx="0">
+            <a:schemeClr val="accent1"/>
+          </a:effectRef>
+          <a:fontRef idx="minor">
+            <a:schemeClr val="tx1"/>
+          </a:fontRef>
+        </p:style>
+      </p:cxnSp>
+      <p:sp>
+        <p:nvSpPr>
+          <p:cNvPr id="7" name="TextBox 6">
+            <a:extLst>
+              <a:ext uri="{FF2B5EF4-FFF2-40B4-BE49-F238E27FC236}">
+                <a16:creationId xmlns:a16="http://schemas.microsoft.com/office/drawing/2014/main" id="{FF98A101-4111-54CB-FA8F-543B24AB0FA7}"/>
+              </a:ext>
+            </a:extLst>
+          </p:cNvPr>
+          <p:cNvSpPr txBox="1"/>
+          <p:nvPr/>
+        </p:nvSpPr>
+        <p:spPr>
+          <a:xfrm>
+            <a:off x="2459504" y="3273811"/>
+            <a:ext cx="1931323" cy="369332"/>
+          </a:xfrm>
+          <a:prstGeom prst="rect">
+            <a:avLst/>
+          </a:prstGeom>
+          <a:noFill/>
+        </p:spPr>
+        <p:txBody>
+          <a:bodyPr wrap="square" rtlCol="0">
+            <a:spAutoFit/>
+          </a:bodyPr>
+          <a:lstStyle/>
+          <a:p>
+            <a:r>
+              <a:rPr lang="en-US" dirty="0"/>
+              <a:t>Stronger shoulder</a:t>
+            </a:r>
+          </a:p>
+        </p:txBody>
+      </p:sp>
+      <p:pic>
+        <p:nvPicPr>
+          <p:cNvPr id="2056" name="Picture 8">
+            <a:extLst>
+              <a:ext uri="{FF2B5EF4-FFF2-40B4-BE49-F238E27FC236}">
+                <a16:creationId xmlns:a16="http://schemas.microsoft.com/office/drawing/2014/main" id="{8DDDD373-41CF-4313-E35B-F4A802AC11F8}"/>
+              </a:ext>
+            </a:extLst>
+          </p:cNvPr>
+          <p:cNvPicPr>
+            <a:picLocks noChangeAspect="1" noChangeArrowheads="1"/>
+          </p:cNvPicPr>
+          <p:nvPr/>
+        </p:nvPicPr>
+        <p:blipFill rotWithShape="1">
+          <a:blip r:embed="rId4">
+            <a:extLst>
+              <a:ext uri="{28A0092B-C50C-407E-A947-70E740481C1C}">
+                <a14:useLocalDpi xmlns:a14="http://schemas.microsoft.com/office/drawing/2010/main" val="0"/>
+              </a:ext>
+            </a:extLst>
+          </a:blip>
+          <a:srcRect l="86847" t="7318" r="3111" b="48110"/>
+          <a:stretch/>
+        </p:blipFill>
+        <p:spPr bwMode="auto">
+          <a:xfrm>
+            <a:off x="8719633" y="2454430"/>
+            <a:ext cx="1057836" cy="2008094"/>
+          </a:xfrm>
+          <a:prstGeom prst="rect">
+            <a:avLst/>
+          </a:prstGeom>
+          <a:noFill/>
+          <a:extLst>
+            <a:ext uri="{909E8E84-426E-40DD-AFC4-6F175D3DCCD1}">
+              <a14:hiddenFill xmlns:a14="http://schemas.microsoft.com/office/drawing/2010/main">
+                <a:solidFill>
+                  <a:srgbClr val="FFFFFF"/>
+                </a:solidFill>
+              </a14:hiddenFill>
+            </a:ext>
+          </a:extLst>
+        </p:spPr>
+      </p:pic>
+      <p:sp>
+        <p:nvSpPr>
+          <p:cNvPr id="11" name="TextBox 10">
+            <a:extLst>
+              <a:ext uri="{FF2B5EF4-FFF2-40B4-BE49-F238E27FC236}">
+                <a16:creationId xmlns:a16="http://schemas.microsoft.com/office/drawing/2014/main" id="{01A8C975-4646-4567-7F75-D3B3BB8DF6B1}"/>
+              </a:ext>
+            </a:extLst>
+          </p:cNvPr>
+          <p:cNvSpPr txBox="1"/>
+          <p:nvPr/>
+        </p:nvSpPr>
+        <p:spPr>
+          <a:xfrm>
+            <a:off x="9660927" y="2427535"/>
+            <a:ext cx="1987400" cy="369332"/>
+          </a:xfrm>
+          <a:prstGeom prst="rect">
+            <a:avLst/>
+          </a:prstGeom>
+          <a:noFill/>
+        </p:spPr>
+        <p:txBody>
+          <a:bodyPr wrap="square" rtlCol="0">
+            <a:spAutoFit/>
+          </a:bodyPr>
+          <a:lstStyle/>
+          <a:p>
+            <a:r>
+              <a:rPr lang="en-US" dirty="0"/>
+              <a:t>mM ionic strength</a:t>
+            </a:r>
+          </a:p>
+        </p:txBody>
+      </p:sp>
+      <p:sp>
+        <p:nvSpPr>
+          <p:cNvPr id="14" name="TextBox 13">
+            <a:extLst>
+              <a:ext uri="{FF2B5EF4-FFF2-40B4-BE49-F238E27FC236}">
+                <a16:creationId xmlns:a16="http://schemas.microsoft.com/office/drawing/2014/main" id="{736A669B-82D1-AE89-4AFE-9EA009888995}"/>
+              </a:ext>
+            </a:extLst>
+          </p:cNvPr>
+          <p:cNvSpPr txBox="1"/>
+          <p:nvPr/>
+        </p:nvSpPr>
+        <p:spPr>
+          <a:xfrm>
+            <a:off x="1633685" y="5858798"/>
+            <a:ext cx="6858000" cy="369332"/>
+          </a:xfrm>
+          <a:prstGeom prst="rect">
+            <a:avLst/>
+          </a:prstGeom>
+          <a:noFill/>
+        </p:spPr>
+        <p:txBody>
+          <a:bodyPr wrap="square" rtlCol="0">
+            <a:spAutoFit/>
+          </a:bodyPr>
+          <a:lstStyle/>
+          <a:p>
+            <a:pPr algn="ctr"/>
+            <a:r>
+              <a:rPr lang="en-US" dirty="0"/>
+              <a:t>Very few phosphorylation sites on NFM, leading to little difference</a:t>
+            </a:r>
+          </a:p>
+        </p:txBody>
+      </p:sp>
     </p:spTree>
     <p:extLst>
       <p:ext uri="{BB962C8B-B14F-4D97-AF65-F5344CB8AC3E}">
         <p14:creationId xmlns:p14="http://schemas.microsoft.com/office/powerpoint/2010/main" val="3065885378"/>
+      </p:ext>
+    </p:extLst>
+  </p:cSld>
+  <p:clrMapOvr>
+    <a:masterClrMapping/>
+  </p:clrMapOvr>
+</p:sld>
+</file>
+
+<file path=ppt/slides/slide9.xml><?xml version="1.0" encoding="utf-8"?>
+<p:sld xmlns:a="http://schemas.openxmlformats.org/drawingml/2006/main" xmlns:r="http://schemas.openxmlformats.org/officeDocument/2006/relationships" xmlns:p="http://schemas.openxmlformats.org/presentationml/2006/main">
+  <p:cSld>
+    <p:spTree>
+      <p:nvGrpSpPr>
+        <p:cNvPr id="1" name=""/>
+        <p:cNvGrpSpPr/>
+        <p:nvPr/>
+      </p:nvGrpSpPr>
+      <p:grpSpPr>
+        <a:xfrm>
+          <a:off x="0" y="0"/>
+          <a:ext cx="0" cy="0"/>
+          <a:chOff x="0" y="0"/>
+          <a:chExt cx="0" cy="0"/>
+        </a:xfrm>
+      </p:grpSpPr>
+      <p:sp>
+        <p:nvSpPr>
+          <p:cNvPr id="2" name="Title 1">
+            <a:extLst>
+              <a:ext uri="{FF2B5EF4-FFF2-40B4-BE49-F238E27FC236}">
+                <a16:creationId xmlns:a16="http://schemas.microsoft.com/office/drawing/2014/main" id="{454B0AA9-C6BE-9672-F6A8-5B8FFD49A365}"/>
+              </a:ext>
+            </a:extLst>
+          </p:cNvPr>
+          <p:cNvSpPr>
+            <a:spLocks noGrp="1"/>
+          </p:cNvSpPr>
+          <p:nvPr>
+            <p:ph type="title"/>
+          </p:nvPr>
+        </p:nvSpPr>
+        <p:spPr>
+          <a:xfrm>
+            <a:off x="0" y="365125"/>
+            <a:ext cx="11932024" cy="1325563"/>
+          </a:xfrm>
+        </p:spPr>
+        <p:txBody>
+          <a:bodyPr/>
+          <a:lstStyle/>
+          <a:p>
+            <a:r>
+              <a:rPr lang="en-US" dirty="0" err="1"/>
+              <a:t>pNFH</a:t>
+            </a:r>
+            <a:r>
+              <a:rPr lang="en-US" dirty="0"/>
+              <a:t> (left) and NFH (right) are extremely different</a:t>
+            </a:r>
+          </a:p>
+        </p:txBody>
+      </p:sp>
+      <p:grpSp>
+        <p:nvGrpSpPr>
+          <p:cNvPr id="4" name="Group 3">
+            <a:extLst>
+              <a:ext uri="{FF2B5EF4-FFF2-40B4-BE49-F238E27FC236}">
+                <a16:creationId xmlns:a16="http://schemas.microsoft.com/office/drawing/2014/main" id="{B9FE4AAA-1584-64C2-C0F8-55E10FEA61DD}"/>
+              </a:ext>
+            </a:extLst>
+          </p:cNvPr>
+          <p:cNvGrpSpPr/>
+          <p:nvPr/>
+        </p:nvGrpSpPr>
+        <p:grpSpPr>
+          <a:xfrm>
+            <a:off x="690842" y="1690688"/>
+            <a:ext cx="4536141" cy="4067578"/>
+            <a:chOff x="681317" y="2268071"/>
+            <a:chExt cx="4536141" cy="4067578"/>
+          </a:xfrm>
+        </p:grpSpPr>
+        <p:pic>
+          <p:nvPicPr>
+            <p:cNvPr id="3" name="Picture 2">
+              <a:extLst>
+                <a:ext uri="{FF2B5EF4-FFF2-40B4-BE49-F238E27FC236}">
+                  <a16:creationId xmlns:a16="http://schemas.microsoft.com/office/drawing/2014/main" id="{95349140-2558-E92C-96C6-A919BB974CE2}"/>
+                </a:ext>
+              </a:extLst>
+            </p:cNvPr>
+            <p:cNvPicPr>
+              <a:picLocks noChangeAspect="1" noChangeArrowheads="1"/>
+            </p:cNvPicPr>
+            <p:nvPr/>
+          </p:nvPicPr>
+          <p:blipFill rotWithShape="1">
+            <a:blip r:embed="rId2">
+              <a:extLst>
+                <a:ext uri="{28A0092B-C50C-407E-A947-70E740481C1C}">
+                  <a14:useLocalDpi xmlns:a14="http://schemas.microsoft.com/office/drawing/2010/main" val="0"/>
+                </a:ext>
+              </a:extLst>
+            </a:blip>
+            <a:srcRect l="52307"/>
+            <a:stretch/>
+          </p:blipFill>
+          <p:spPr bwMode="auto">
+            <a:xfrm>
+              <a:off x="681317" y="2268071"/>
+              <a:ext cx="4536141" cy="4067578"/>
+            </a:xfrm>
+            <a:prstGeom prst="rect">
+              <a:avLst/>
+            </a:prstGeom>
+            <a:noFill/>
+            <a:extLst>
+              <a:ext uri="{909E8E84-426E-40DD-AFC4-6F175D3DCCD1}">
+                <a14:hiddenFill xmlns:a14="http://schemas.microsoft.com/office/drawing/2010/main">
+                  <a:solidFill>
+                    <a:srgbClr val="FFFFFF"/>
+                  </a:solidFill>
+                </a14:hiddenFill>
+              </a:ext>
+            </a:extLst>
+          </p:spPr>
+        </p:pic>
+        <p:pic>
+          <p:nvPicPr>
+            <p:cNvPr id="3074" name="Picture 2">
+              <a:extLst>
+                <a:ext uri="{FF2B5EF4-FFF2-40B4-BE49-F238E27FC236}">
+                  <a16:creationId xmlns:a16="http://schemas.microsoft.com/office/drawing/2014/main" id="{B526BE0A-7E65-9B2D-4794-81BFC9574F35}"/>
+                </a:ext>
+              </a:extLst>
+            </p:cNvPr>
+            <p:cNvPicPr>
+              <a:picLocks noChangeAspect="1" noChangeArrowheads="1"/>
+            </p:cNvPicPr>
+            <p:nvPr/>
+          </p:nvPicPr>
+          <p:blipFill rotWithShape="1">
+            <a:blip r:embed="rId2">
+              <a:extLst>
+                <a:ext uri="{28A0092B-C50C-407E-A947-70E740481C1C}">
+                  <a14:useLocalDpi xmlns:a14="http://schemas.microsoft.com/office/drawing/2010/main" val="0"/>
+                </a:ext>
+              </a:extLst>
+            </a:blip>
+            <a:srcRect r="48343"/>
+            <a:stretch/>
+          </p:blipFill>
+          <p:spPr bwMode="auto">
+            <a:xfrm>
+              <a:off x="1541930" y="2590800"/>
+              <a:ext cx="2431206" cy="2012815"/>
+            </a:xfrm>
+            <a:prstGeom prst="rect">
+              <a:avLst/>
+            </a:prstGeom>
+            <a:noFill/>
+            <a:extLst>
+              <a:ext uri="{909E8E84-426E-40DD-AFC4-6F175D3DCCD1}">
+                <a14:hiddenFill xmlns:a14="http://schemas.microsoft.com/office/drawing/2010/main">
+                  <a:solidFill>
+                    <a:srgbClr val="FFFFFF"/>
+                  </a:solidFill>
+                </a14:hiddenFill>
+              </a:ext>
+            </a:extLst>
+          </p:spPr>
+        </p:pic>
+      </p:grpSp>
+      <p:pic>
+        <p:nvPicPr>
+          <p:cNvPr id="3076" name="Picture 4">
+            <a:extLst>
+              <a:ext uri="{FF2B5EF4-FFF2-40B4-BE49-F238E27FC236}">
+                <a16:creationId xmlns:a16="http://schemas.microsoft.com/office/drawing/2014/main" id="{6D167B76-792E-65B2-7E43-CBD0BC7EEEFC}"/>
+              </a:ext>
+            </a:extLst>
+          </p:cNvPr>
+          <p:cNvPicPr>
+            <a:picLocks noChangeAspect="1" noChangeArrowheads="1"/>
+          </p:cNvPicPr>
+          <p:nvPr/>
+        </p:nvPicPr>
+        <p:blipFill rotWithShape="1">
+          <a:blip r:embed="rId3">
+            <a:extLst>
+              <a:ext uri="{28A0092B-C50C-407E-A947-70E740481C1C}">
+                <a14:useLocalDpi xmlns:a14="http://schemas.microsoft.com/office/drawing/2010/main" val="0"/>
+              </a:ext>
+            </a:extLst>
+          </a:blip>
+          <a:srcRect r="49234"/>
+          <a:stretch/>
+        </p:blipFill>
+        <p:spPr bwMode="auto">
+          <a:xfrm>
+            <a:off x="5487343" y="1690688"/>
+            <a:ext cx="4828383" cy="4067578"/>
+          </a:xfrm>
+          <a:prstGeom prst="rect">
+            <a:avLst/>
+          </a:prstGeom>
+          <a:noFill/>
+          <a:extLst>
+            <a:ext uri="{909E8E84-426E-40DD-AFC4-6F175D3DCCD1}">
+              <a14:hiddenFill xmlns:a14="http://schemas.microsoft.com/office/drawing/2010/main">
+                <a:solidFill>
+                  <a:srgbClr val="FFFFFF"/>
+                </a:solidFill>
+              </a14:hiddenFill>
+            </a:ext>
+          </a:extLst>
+        </p:spPr>
+      </p:pic>
+      <p:sp>
+        <p:nvSpPr>
+          <p:cNvPr id="5" name="TextBox 4">
+            <a:extLst>
+              <a:ext uri="{FF2B5EF4-FFF2-40B4-BE49-F238E27FC236}">
+                <a16:creationId xmlns:a16="http://schemas.microsoft.com/office/drawing/2014/main" id="{1A461F44-341E-8ABE-EC08-6026010469C3}"/>
+              </a:ext>
+            </a:extLst>
+          </p:cNvPr>
+          <p:cNvSpPr txBox="1"/>
+          <p:nvPr/>
+        </p:nvSpPr>
+        <p:spPr>
+          <a:xfrm>
+            <a:off x="1633685" y="5858798"/>
+            <a:ext cx="6858000" cy="369332"/>
+          </a:xfrm>
+          <a:prstGeom prst="rect">
+            <a:avLst/>
+          </a:prstGeom>
+          <a:noFill/>
+        </p:spPr>
+        <p:txBody>
+          <a:bodyPr wrap="square" rtlCol="0">
+            <a:spAutoFit/>
+          </a:bodyPr>
+          <a:lstStyle/>
+          <a:p>
+            <a:pPr algn="ctr"/>
+            <a:r>
+              <a:rPr lang="en-US" dirty="0"/>
+              <a:t>In contrast to NFM, NFH has very many phosphorylation sites.</a:t>
+            </a:r>
+          </a:p>
+        </p:txBody>
+      </p:sp>
+    </p:spTree>
+    <p:extLst>
+      <p:ext uri="{BB962C8B-B14F-4D97-AF65-F5344CB8AC3E}">
+        <p14:creationId xmlns:p14="http://schemas.microsoft.com/office/powerpoint/2010/main" val="3300802699"/>
       </p:ext>
     </p:extLst>
   </p:cSld>

--- a/202305XX EAD Update.pptx
+++ b/202305XX EAD Update.pptx
@@ -16,6 +16,7 @@
     <p:sldId id="265" r:id="rId10"/>
     <p:sldId id="266" r:id="rId11"/>
     <p:sldId id="267" r:id="rId12"/>
+    <p:sldId id="268" r:id="rId13"/>
   </p:sldIdLst>
   <p:sldSz cx="12192000" cy="6858000"/>
   <p:notesSz cx="6858000" cy="9144000"/>
@@ -3433,7 +3434,7 @@
         </p:nvGrpSpPr>
         <p:grpSpPr>
           <a:xfrm>
-            <a:off x="318230" y="2044683"/>
+            <a:off x="337280" y="2425683"/>
             <a:ext cx="8251677" cy="2901984"/>
             <a:chOff x="3804380" y="2128857"/>
             <a:chExt cx="8251677" cy="2901984"/>
@@ -3734,7 +3735,7 @@
         </p:nvSpPr>
         <p:spPr>
           <a:xfrm>
-            <a:off x="8934450" y="3152775"/>
+            <a:off x="8953500" y="3533775"/>
             <a:ext cx="2815495" cy="369332"/>
           </a:xfrm>
           <a:prstGeom prst="rect">
@@ -4455,6 +4456,396 @@
     <p:extLst>
       <p:ext uri="{BB962C8B-B14F-4D97-AF65-F5344CB8AC3E}">
         <p14:creationId xmlns:p14="http://schemas.microsoft.com/office/powerpoint/2010/main" val="2053212950"/>
+      </p:ext>
+    </p:extLst>
+  </p:cSld>
+  <p:clrMapOvr>
+    <a:masterClrMapping/>
+  </p:clrMapOvr>
+</p:sld>
+</file>
+
+<file path=ppt/slides/slide12.xml><?xml version="1.0" encoding="utf-8"?>
+<p:sld xmlns:a="http://schemas.openxmlformats.org/drawingml/2006/main" xmlns:r="http://schemas.openxmlformats.org/officeDocument/2006/relationships" xmlns:p="http://schemas.openxmlformats.org/presentationml/2006/main">
+  <p:cSld>
+    <p:spTree>
+      <p:nvGrpSpPr>
+        <p:cNvPr id="1" name=""/>
+        <p:cNvGrpSpPr/>
+        <p:nvPr/>
+      </p:nvGrpSpPr>
+      <p:grpSpPr>
+        <a:xfrm>
+          <a:off x="0" y="0"/>
+          <a:ext cx="0" cy="0"/>
+          <a:chOff x="0" y="0"/>
+          <a:chExt cx="0" cy="0"/>
+        </a:xfrm>
+      </p:grpSpPr>
+      <p:sp>
+        <p:nvSpPr>
+          <p:cNvPr id="2" name="Title 1">
+            <a:extLst>
+              <a:ext uri="{FF2B5EF4-FFF2-40B4-BE49-F238E27FC236}">
+                <a16:creationId xmlns:a16="http://schemas.microsoft.com/office/drawing/2014/main" id="{D65E766E-9826-DCA6-3C12-D0B54E413B4F}"/>
+              </a:ext>
+            </a:extLst>
+          </p:cNvPr>
+          <p:cNvSpPr>
+            <a:spLocks noGrp="1"/>
+          </p:cNvSpPr>
+          <p:nvPr>
+            <p:ph type="title"/>
+          </p:nvPr>
+        </p:nvSpPr>
+        <p:spPr>
+          <a:xfrm>
+            <a:off x="0" y="365125"/>
+            <a:ext cx="11353800" cy="1325563"/>
+          </a:xfrm>
+        </p:spPr>
+        <p:txBody>
+          <a:bodyPr/>
+          <a:lstStyle/>
+          <a:p>
+            <a:r>
+              <a:rPr lang="en-US" dirty="0"/>
+              <a:t>Thus, </a:t>
+            </a:r>
+            <a:r>
+              <a:rPr lang="en-US" dirty="0" err="1"/>
+              <a:t>pNFH</a:t>
+            </a:r>
+            <a:r>
+              <a:rPr lang="en-US" dirty="0"/>
+              <a:t> chains (at low ionic strengths) look something like this</a:t>
+            </a:r>
+          </a:p>
+        </p:txBody>
+      </p:sp>
+      <p:sp>
+        <p:nvSpPr>
+          <p:cNvPr id="3" name="TextBox 2">
+            <a:extLst>
+              <a:ext uri="{FF2B5EF4-FFF2-40B4-BE49-F238E27FC236}">
+                <a16:creationId xmlns:a16="http://schemas.microsoft.com/office/drawing/2014/main" id="{69D6D808-6B0A-AEB0-180A-95037A7DC3FB}"/>
+              </a:ext>
+            </a:extLst>
+          </p:cNvPr>
+          <p:cNvSpPr txBox="1"/>
+          <p:nvPr/>
+        </p:nvSpPr>
+        <p:spPr>
+          <a:xfrm>
+            <a:off x="6610350" y="6391275"/>
+            <a:ext cx="5581650" cy="369332"/>
+          </a:xfrm>
+          <a:prstGeom prst="rect">
+            <a:avLst/>
+          </a:prstGeom>
+          <a:noFill/>
+        </p:spPr>
+        <p:txBody>
+          <a:bodyPr wrap="square" rtlCol="0">
+            <a:spAutoFit/>
+          </a:bodyPr>
+          <a:lstStyle/>
+          <a:p>
+            <a:r>
+              <a:rPr lang="en-US" dirty="0"/>
+              <a:t>Crude schematic—I can try to make it look better later</a:t>
+            </a:r>
+          </a:p>
+        </p:txBody>
+      </p:sp>
+      <p:pic>
+        <p:nvPicPr>
+          <p:cNvPr id="5" name="Graphic 4">
+            <a:extLst>
+              <a:ext uri="{FF2B5EF4-FFF2-40B4-BE49-F238E27FC236}">
+                <a16:creationId xmlns:a16="http://schemas.microsoft.com/office/drawing/2014/main" id="{06D690B8-BC7A-8618-965B-64F16751CD96}"/>
+              </a:ext>
+            </a:extLst>
+          </p:cNvPr>
+          <p:cNvPicPr>
+            <a:picLocks noChangeAspect="1"/>
+          </p:cNvPicPr>
+          <p:nvPr/>
+        </p:nvPicPr>
+        <p:blipFill>
+          <a:blip r:embed="rId2">
+            <a:extLst>
+              <a:ext uri="{96DAC541-7B7A-43D3-8B79-37D633B846F1}">
+                <asvg:svgBlip xmlns:asvg="http://schemas.microsoft.com/office/drawing/2016/SVG/main" r:embed="rId3"/>
+              </a:ext>
+            </a:extLst>
+          </a:blip>
+          <a:stretch>
+            <a:fillRect/>
+          </a:stretch>
+        </p:blipFill>
+        <p:spPr>
+          <a:xfrm>
+            <a:off x="1452562" y="1911455"/>
+            <a:ext cx="2928938" cy="3249041"/>
+          </a:xfrm>
+          <a:prstGeom prst="rect">
+            <a:avLst/>
+          </a:prstGeom>
+        </p:spPr>
+      </p:pic>
+      <p:sp>
+        <p:nvSpPr>
+          <p:cNvPr id="6" name="TextBox 5">
+            <a:extLst>
+              <a:ext uri="{FF2B5EF4-FFF2-40B4-BE49-F238E27FC236}">
+                <a16:creationId xmlns:a16="http://schemas.microsoft.com/office/drawing/2014/main" id="{8C6EF2A9-8AD9-184A-A6F4-943F72A26835}"/>
+              </a:ext>
+            </a:extLst>
+          </p:cNvPr>
+          <p:cNvSpPr txBox="1"/>
+          <p:nvPr/>
+        </p:nvSpPr>
+        <p:spPr>
+          <a:xfrm>
+            <a:off x="488156" y="5389418"/>
+            <a:ext cx="2428875" cy="646331"/>
+          </a:xfrm>
+          <a:prstGeom prst="rect">
+            <a:avLst/>
+          </a:prstGeom>
+          <a:noFill/>
+        </p:spPr>
+        <p:txBody>
+          <a:bodyPr wrap="square" rtlCol="0">
+            <a:spAutoFit/>
+          </a:bodyPr>
+          <a:lstStyle/>
+          <a:p>
+            <a:r>
+              <a:rPr lang="en-US" dirty="0"/>
+              <a:t>2</a:t>
+            </a:r>
+            <a:r>
+              <a:rPr lang="en-US" baseline="30000" dirty="0"/>
+              <a:t>nd</a:t>
+            </a:r>
+            <a:r>
+              <a:rPr lang="en-US" dirty="0"/>
+              <a:t> Block (red) either folds back or extends</a:t>
+            </a:r>
+          </a:p>
+        </p:txBody>
+      </p:sp>
+      <p:sp>
+        <p:nvSpPr>
+          <p:cNvPr id="7" name="TextBox 6">
+            <a:extLst>
+              <a:ext uri="{FF2B5EF4-FFF2-40B4-BE49-F238E27FC236}">
+                <a16:creationId xmlns:a16="http://schemas.microsoft.com/office/drawing/2014/main" id="{6FD009B6-CE9D-833A-2528-D38A408DAF8A}"/>
+              </a:ext>
+            </a:extLst>
+          </p:cNvPr>
+          <p:cNvSpPr txBox="1"/>
+          <p:nvPr/>
+        </p:nvSpPr>
+        <p:spPr>
+          <a:xfrm>
+            <a:off x="3080724" y="5389418"/>
+            <a:ext cx="3771900" cy="646331"/>
+          </a:xfrm>
+          <a:prstGeom prst="rect">
+            <a:avLst/>
+          </a:prstGeom>
+          <a:noFill/>
+        </p:spPr>
+        <p:txBody>
+          <a:bodyPr wrap="square" rtlCol="0">
+            <a:spAutoFit/>
+          </a:bodyPr>
+          <a:lstStyle/>
+          <a:p>
+            <a:r>
+              <a:rPr lang="en-US" dirty="0"/>
+              <a:t>3</a:t>
+            </a:r>
+            <a:r>
+              <a:rPr lang="en-US" baseline="30000" dirty="0"/>
+              <a:t>rd</a:t>
+            </a:r>
+            <a:r>
+              <a:rPr lang="en-US" dirty="0"/>
+              <a:t> Block (blue) collects at interface between dilute and condensed layers</a:t>
+            </a:r>
+          </a:p>
+        </p:txBody>
+      </p:sp>
+      <p:pic>
+        <p:nvPicPr>
+          <p:cNvPr id="8" name="Picture 14">
+            <a:extLst>
+              <a:ext uri="{FF2B5EF4-FFF2-40B4-BE49-F238E27FC236}">
+                <a16:creationId xmlns:a16="http://schemas.microsoft.com/office/drawing/2014/main" id="{86EB60AC-BE9D-7586-A8DD-823C9B08AF11}"/>
+              </a:ext>
+            </a:extLst>
+          </p:cNvPr>
+          <p:cNvPicPr>
+            <a:picLocks noChangeAspect="1" noChangeArrowheads="1"/>
+          </p:cNvPicPr>
+          <p:nvPr/>
+        </p:nvPicPr>
+        <p:blipFill rotWithShape="1">
+          <a:blip r:embed="rId4">
+            <a:extLst>
+              <a:ext uri="{28A0092B-C50C-407E-A947-70E740481C1C}">
+                <a14:useLocalDpi xmlns:a14="http://schemas.microsoft.com/office/drawing/2010/main" val="0"/>
+              </a:ext>
+            </a:extLst>
+          </a:blip>
+          <a:srcRect r="48915"/>
+          <a:stretch/>
+        </p:blipFill>
+        <p:spPr bwMode="auto">
+          <a:xfrm>
+            <a:off x="5299806" y="2341737"/>
+            <a:ext cx="3105636" cy="2599940"/>
+          </a:xfrm>
+          <a:prstGeom prst="rect">
+            <a:avLst/>
+          </a:prstGeom>
+          <a:noFill/>
+          <a:extLst>
+            <a:ext uri="{909E8E84-426E-40DD-AFC4-6F175D3DCCD1}">
+              <a14:hiddenFill xmlns:a14="http://schemas.microsoft.com/office/drawing/2010/main">
+                <a:solidFill>
+                  <a:srgbClr val="FFFFFF"/>
+                </a:solidFill>
+              </a14:hiddenFill>
+            </a:ext>
+          </a:extLst>
+        </p:spPr>
+      </p:pic>
+      <p:sp>
+        <p:nvSpPr>
+          <p:cNvPr id="9" name="TextBox 8">
+            <a:extLst>
+              <a:ext uri="{FF2B5EF4-FFF2-40B4-BE49-F238E27FC236}">
+                <a16:creationId xmlns:a16="http://schemas.microsoft.com/office/drawing/2014/main" id="{BF73488C-13A5-2D2F-D076-8FE44479C788}"/>
+              </a:ext>
+            </a:extLst>
+          </p:cNvPr>
+          <p:cNvSpPr txBox="1"/>
+          <p:nvPr/>
+        </p:nvSpPr>
+        <p:spPr>
+          <a:xfrm>
+            <a:off x="5753689" y="2046214"/>
+            <a:ext cx="2447925" cy="369332"/>
+          </a:xfrm>
+          <a:prstGeom prst="rect">
+            <a:avLst/>
+          </a:prstGeom>
+          <a:noFill/>
+        </p:spPr>
+        <p:txBody>
+          <a:bodyPr wrap="square" rtlCol="0">
+            <a:spAutoFit/>
+          </a:bodyPr>
+          <a:lstStyle/>
+          <a:p>
+            <a:pPr algn="ctr"/>
+            <a:r>
+              <a:rPr lang="en-US" dirty="0"/>
+              <a:t>Block 2</a:t>
+            </a:r>
+          </a:p>
+        </p:txBody>
+      </p:sp>
+      <p:pic>
+        <p:nvPicPr>
+          <p:cNvPr id="10" name="Picture 2">
+            <a:extLst>
+              <a:ext uri="{FF2B5EF4-FFF2-40B4-BE49-F238E27FC236}">
+                <a16:creationId xmlns:a16="http://schemas.microsoft.com/office/drawing/2014/main" id="{0BA9F1EE-2189-8A45-8EED-A807BCF37404}"/>
+              </a:ext>
+            </a:extLst>
+          </p:cNvPr>
+          <p:cNvPicPr>
+            <a:picLocks noChangeAspect="1" noChangeArrowheads="1"/>
+          </p:cNvPicPr>
+          <p:nvPr/>
+        </p:nvPicPr>
+        <p:blipFill rotWithShape="1">
+          <a:blip r:embed="rId5">
+            <a:extLst>
+              <a:ext uri="{28A0092B-C50C-407E-A947-70E740481C1C}">
+                <a14:useLocalDpi xmlns:a14="http://schemas.microsoft.com/office/drawing/2010/main" val="0"/>
+              </a:ext>
+            </a:extLst>
+          </a:blip>
+          <a:srcRect l="51912"/>
+          <a:stretch/>
+        </p:blipFill>
+        <p:spPr bwMode="auto">
+          <a:xfrm>
+            <a:off x="8496364" y="2371095"/>
+            <a:ext cx="2857436" cy="2541223"/>
+          </a:xfrm>
+          <a:prstGeom prst="rect">
+            <a:avLst/>
+          </a:prstGeom>
+          <a:noFill/>
+          <a:extLst>
+            <a:ext uri="{909E8E84-426E-40DD-AFC4-6F175D3DCCD1}">
+              <a14:hiddenFill xmlns:a14="http://schemas.microsoft.com/office/drawing/2010/main">
+                <a:solidFill>
+                  <a:srgbClr val="FFFFFF"/>
+                </a:solidFill>
+              </a14:hiddenFill>
+            </a:ext>
+          </a:extLst>
+        </p:spPr>
+      </p:pic>
+      <p:sp>
+        <p:nvSpPr>
+          <p:cNvPr id="11" name="TextBox 10">
+            <a:extLst>
+              <a:ext uri="{FF2B5EF4-FFF2-40B4-BE49-F238E27FC236}">
+                <a16:creationId xmlns:a16="http://schemas.microsoft.com/office/drawing/2014/main" id="{BEBCFDEA-B35A-EEE7-E233-77BAE9E945BC}"/>
+              </a:ext>
+            </a:extLst>
+          </p:cNvPr>
+          <p:cNvSpPr txBox="1"/>
+          <p:nvPr/>
+        </p:nvSpPr>
+        <p:spPr>
+          <a:xfrm>
+            <a:off x="9401175" y="2060834"/>
+            <a:ext cx="1352550" cy="369332"/>
+          </a:xfrm>
+          <a:prstGeom prst="rect">
+            <a:avLst/>
+          </a:prstGeom>
+          <a:noFill/>
+        </p:spPr>
+        <p:txBody>
+          <a:bodyPr wrap="square" rtlCol="0">
+            <a:spAutoFit/>
+          </a:bodyPr>
+          <a:lstStyle/>
+          <a:p>
+            <a:pPr algn="ctr"/>
+            <a:r>
+              <a:rPr lang="en-US" dirty="0"/>
+              <a:t>Block 3</a:t>
+            </a:r>
+          </a:p>
+        </p:txBody>
+      </p:sp>
+    </p:spTree>
+    <p:extLst>
+      <p:ext uri="{BB962C8B-B14F-4D97-AF65-F5344CB8AC3E}">
+        <p14:creationId xmlns:p14="http://schemas.microsoft.com/office/powerpoint/2010/main" val="2186779697"/>
       </p:ext>
     </p:extLst>
   </p:cSld>

--- a/202305XX EAD Update.pptx
+++ b/202305XX EAD Update.pptx
@@ -5045,6 +5045,87 @@
           </a:p>
         </p:txBody>
       </p:sp>
+      <p:sp>
+        <p:nvSpPr>
+          <p:cNvPr id="3" name="TextBox 2">
+            <a:extLst>
+              <a:ext uri="{FF2B5EF4-FFF2-40B4-BE49-F238E27FC236}">
+                <a16:creationId xmlns:a16="http://schemas.microsoft.com/office/drawing/2014/main" id="{E39EC101-146B-3E6E-539E-E8D6D0D66AAA}"/>
+              </a:ext>
+            </a:extLst>
+          </p:cNvPr>
+          <p:cNvSpPr txBox="1"/>
+          <p:nvPr/>
+        </p:nvSpPr>
+        <p:spPr>
+          <a:xfrm>
+            <a:off x="638175" y="1790700"/>
+            <a:ext cx="10915650" cy="1661993"/>
+          </a:xfrm>
+          <a:prstGeom prst="rect">
+            <a:avLst/>
+          </a:prstGeom>
+          <a:noFill/>
+        </p:spPr>
+        <p:txBody>
+          <a:bodyPr wrap="square" rtlCol="0">
+            <a:spAutoFit/>
+          </a:bodyPr>
+          <a:lstStyle/>
+          <a:p>
+            <a:pPr marL="285750" indent="-285750">
+              <a:spcAft>
+                <a:spcPts val="1200"/>
+              </a:spcAft>
+              <a:buFont typeface="Arial" panose="020B0604020202020204" pitchFamily="34" charset="0"/>
+              <a:buChar char="•"/>
+            </a:pPr>
+            <a:r>
+              <a:rPr lang="en-US" dirty="0"/>
+              <a:t>b: Kuhn’s monomer length</a:t>
+            </a:r>
+          </a:p>
+          <a:p>
+            <a:pPr marL="285750" indent="-285750">
+              <a:spcAft>
+                <a:spcPts val="1200"/>
+              </a:spcAft>
+              <a:buFont typeface="Arial" panose="020B0604020202020204" pitchFamily="34" charset="0"/>
+              <a:buChar char="•"/>
+            </a:pPr>
+            <a:r>
+              <a:rPr lang="en-US" dirty="0"/>
+              <a:t>v: Kuhn’s monomer volume</a:t>
+            </a:r>
+          </a:p>
+          <a:p>
+            <a:pPr marL="285750" indent="-285750">
+              <a:spcAft>
+                <a:spcPts val="1200"/>
+              </a:spcAft>
+              <a:buFont typeface="Arial" panose="020B0604020202020204" pitchFamily="34" charset="0"/>
+              <a:buChar char="•"/>
+            </a:pPr>
+            <a:r>
+              <a:rPr lang="en-US" dirty="0"/>
+              <a:t>chi: Flory-Huggins parameter (based on amino acid)</a:t>
+            </a:r>
+          </a:p>
+          <a:p>
+            <a:pPr marL="285750" indent="-285750">
+              <a:spcAft>
+                <a:spcPts val="1200"/>
+              </a:spcAft>
+              <a:buFont typeface="Arial" panose="020B0604020202020204" pitchFamily="34" charset="0"/>
+              <a:buChar char="•"/>
+            </a:pPr>
+            <a:r>
+              <a:rPr lang="en-US" dirty="0"/>
+              <a:t>Charge of phosphorylated sites</a:t>
+            </a:r>
+          </a:p>
+        </p:txBody>
+      </p:sp>
     </p:spTree>
     <p:extLst>
       <p:ext uri="{BB962C8B-B14F-4D97-AF65-F5344CB8AC3E}">
@@ -6439,7 +6520,10 @@
           <a:prstGeom prst="straightConnector1">
             <a:avLst/>
           </a:prstGeom>
-          <a:ln w="19050">
+          <a:ln w="28575">
+            <a:solidFill>
+              <a:schemeClr val="tx1"/>
+            </a:solidFill>
             <a:tailEnd type="triangle"/>
           </a:ln>
         </p:spPr>

--- a/202305XX EAD Update.pptx
+++ b/202305XX EAD Update.pptx
@@ -5060,7 +5060,7 @@
         <p:spPr>
           <a:xfrm>
             <a:off x="638175" y="1790700"/>
-            <a:ext cx="10915650" cy="1661993"/>
+            <a:ext cx="10915650" cy="2523768"/>
           </a:xfrm>
           <a:prstGeom prst="rect">
             <a:avLst/>
@@ -5108,7 +5108,7 @@
             </a:pPr>
             <a:r>
               <a:rPr lang="en-US" dirty="0"/>
-              <a:t>chi: Flory-Huggins parameter (based on amino acid)</a:t>
+              <a:t>Degree of coarse graining</a:t>
             </a:r>
           </a:p>
           <a:p>
@@ -5122,6 +5122,32 @@
             <a:r>
               <a:rPr lang="en-US" dirty="0"/>
               <a:t>Charge of phosphorylated sites</a:t>
+            </a:r>
+          </a:p>
+          <a:p>
+            <a:pPr marL="285750" indent="-285750">
+              <a:spcAft>
+                <a:spcPts val="1200"/>
+              </a:spcAft>
+              <a:buFont typeface="Arial" panose="020B0604020202020204" pitchFamily="34" charset="0"/>
+              <a:buChar char="•"/>
+            </a:pPr>
+            <a:r>
+              <a:rPr lang="en-US" dirty="0"/>
+              <a:t>chi: Flory-Huggins parameter (based on amino acid)</a:t>
+            </a:r>
+          </a:p>
+          <a:p>
+            <a:pPr marL="742950" lvl="1" indent="-285750">
+              <a:spcAft>
+                <a:spcPts val="1200"/>
+              </a:spcAft>
+              <a:buFont typeface="Arial" panose="020B0604020202020204" pitchFamily="34" charset="0"/>
+              <a:buChar char="•"/>
+            </a:pPr>
+            <a:r>
+              <a:rPr lang="en-US" dirty="0"/>
+              <a:t>Not shown below; made curves worse</a:t>
             </a:r>
           </a:p>
         </p:txBody>

--- a/202305XX EAD Update.pptx
+++ b/202305XX EAD Update.pptx
@@ -17,6 +17,7 @@
     <p:sldId id="266" r:id="rId11"/>
     <p:sldId id="267" r:id="rId12"/>
     <p:sldId id="268" r:id="rId13"/>
+    <p:sldId id="269" r:id="rId14"/>
   </p:sldIdLst>
   <p:sldSz cx="12192000" cy="6858000"/>
   <p:notesSz cx="6858000" cy="9144000"/>
@@ -4855,6 +4856,674 @@
 </p:sld>
 </file>
 
+<file path=ppt/slides/slide13.xml><?xml version="1.0" encoding="utf-8"?>
+<p:sld xmlns:a="http://schemas.openxmlformats.org/drawingml/2006/main" xmlns:r="http://schemas.openxmlformats.org/officeDocument/2006/relationships" xmlns:p="http://schemas.openxmlformats.org/presentationml/2006/main">
+  <p:cSld>
+    <p:spTree>
+      <p:nvGrpSpPr>
+        <p:cNvPr id="1" name=""/>
+        <p:cNvGrpSpPr/>
+        <p:nvPr/>
+      </p:nvGrpSpPr>
+      <p:grpSpPr>
+        <a:xfrm>
+          <a:off x="0" y="0"/>
+          <a:ext cx="0" cy="0"/>
+          <a:chOff x="0" y="0"/>
+          <a:chExt cx="0" cy="0"/>
+        </a:xfrm>
+      </p:grpSpPr>
+      <p:sp>
+        <p:nvSpPr>
+          <p:cNvPr id="2" name="Title 1">
+            <a:extLst>
+              <a:ext uri="{FF2B5EF4-FFF2-40B4-BE49-F238E27FC236}">
+                <a16:creationId xmlns:a16="http://schemas.microsoft.com/office/drawing/2014/main" id="{8B19C180-19C0-06F9-F821-9CB8A7F09C96}"/>
+              </a:ext>
+            </a:extLst>
+          </p:cNvPr>
+          <p:cNvSpPr>
+            <a:spLocks noGrp="1"/>
+          </p:cNvSpPr>
+          <p:nvPr>
+            <p:ph type="title"/>
+          </p:nvPr>
+        </p:nvSpPr>
+        <p:spPr>
+          <a:xfrm>
+            <a:off x="0" y="365125"/>
+            <a:ext cx="11353800" cy="1831228"/>
+          </a:xfrm>
+        </p:spPr>
+        <p:txBody>
+          <a:bodyPr>
+            <a:normAutofit fontScale="90000"/>
+          </a:bodyPr>
+          <a:lstStyle/>
+          <a:p>
+            <a:r>
+              <a:rPr lang="en-US" dirty="0"/>
+              <a:t>The intrinsic difference between NFM and NFH (besides charge) lies in the chemical structures of the constituent amino acids</a:t>
+            </a:r>
+          </a:p>
+        </p:txBody>
+      </p:sp>
+      <p:pic>
+        <p:nvPicPr>
+          <p:cNvPr id="6146" name="Picture 2">
+            <a:extLst>
+              <a:ext uri="{FF2B5EF4-FFF2-40B4-BE49-F238E27FC236}">
+                <a16:creationId xmlns:a16="http://schemas.microsoft.com/office/drawing/2014/main" id="{AE91C063-28E1-686F-0FF4-4877707CFA6E}"/>
+              </a:ext>
+            </a:extLst>
+          </p:cNvPr>
+          <p:cNvPicPr>
+            <a:picLocks noChangeAspect="1" noChangeArrowheads="1"/>
+          </p:cNvPicPr>
+          <p:nvPr/>
+        </p:nvPicPr>
+        <p:blipFill rotWithShape="1">
+          <a:blip r:embed="rId2">
+            <a:extLst>
+              <a:ext uri="{28A0092B-C50C-407E-A947-70E740481C1C}">
+                <a14:useLocalDpi xmlns:a14="http://schemas.microsoft.com/office/drawing/2010/main" val="0"/>
+              </a:ext>
+            </a:extLst>
+          </a:blip>
+          <a:srcRect l="33897"/>
+          <a:stretch/>
+        </p:blipFill>
+        <p:spPr bwMode="auto">
+          <a:xfrm>
+            <a:off x="73954" y="2439224"/>
+            <a:ext cx="6535272" cy="3000710"/>
+          </a:xfrm>
+          <a:prstGeom prst="rect">
+            <a:avLst/>
+          </a:prstGeom>
+          <a:noFill/>
+          <a:extLst>
+            <a:ext uri="{909E8E84-426E-40DD-AFC4-6F175D3DCCD1}">
+              <a14:hiddenFill xmlns:a14="http://schemas.microsoft.com/office/drawing/2010/main">
+                <a:solidFill>
+                  <a:srgbClr val="FFFFFF"/>
+                </a:solidFill>
+              </a14:hiddenFill>
+            </a:ext>
+          </a:extLst>
+        </p:spPr>
+      </p:pic>
+      <p:sp>
+        <p:nvSpPr>
+          <p:cNvPr id="3" name="Rectangle 2">
+            <a:extLst>
+              <a:ext uri="{FF2B5EF4-FFF2-40B4-BE49-F238E27FC236}">
+                <a16:creationId xmlns:a16="http://schemas.microsoft.com/office/drawing/2014/main" id="{7386FBE2-D47A-A46E-A840-5BB83E3BE02A}"/>
+              </a:ext>
+            </a:extLst>
+          </p:cNvPr>
+          <p:cNvSpPr/>
+          <p:nvPr/>
+        </p:nvSpPr>
+        <p:spPr>
+          <a:xfrm>
+            <a:off x="3677766" y="2545977"/>
+            <a:ext cx="600635" cy="2893958"/>
+          </a:xfrm>
+          <a:prstGeom prst="rect">
+            <a:avLst/>
+          </a:prstGeom>
+          <a:noFill/>
+          <a:ln w="28575">
+            <a:solidFill>
+              <a:schemeClr val="tx1"/>
+            </a:solidFill>
+          </a:ln>
+        </p:spPr>
+        <p:style>
+          <a:lnRef idx="2">
+            <a:schemeClr val="accent1">
+              <a:shade val="15000"/>
+            </a:schemeClr>
+          </a:lnRef>
+          <a:fillRef idx="1">
+            <a:schemeClr val="accent1"/>
+          </a:fillRef>
+          <a:effectRef idx="0">
+            <a:schemeClr val="accent1"/>
+          </a:effectRef>
+          <a:fontRef idx="minor">
+            <a:schemeClr val="lt1"/>
+          </a:fontRef>
+        </p:style>
+        <p:txBody>
+          <a:bodyPr rtlCol="0" anchor="ctr"/>
+          <a:lstStyle/>
+          <a:p>
+            <a:pPr algn="ctr"/>
+            <a:endParaRPr lang="en-US"/>
+          </a:p>
+        </p:txBody>
+      </p:sp>
+      <p:sp>
+        <p:nvSpPr>
+          <p:cNvPr id="6" name="Rectangle 5">
+            <a:extLst>
+              <a:ext uri="{FF2B5EF4-FFF2-40B4-BE49-F238E27FC236}">
+                <a16:creationId xmlns:a16="http://schemas.microsoft.com/office/drawing/2014/main" id="{3966D1CF-B0D9-A71A-1CCB-4697389C8DF4}"/>
+              </a:ext>
+            </a:extLst>
+          </p:cNvPr>
+          <p:cNvSpPr/>
+          <p:nvPr/>
+        </p:nvSpPr>
+        <p:spPr>
+          <a:xfrm>
+            <a:off x="271177" y="2608730"/>
+            <a:ext cx="740761" cy="2893958"/>
+          </a:xfrm>
+          <a:prstGeom prst="rect">
+            <a:avLst/>
+          </a:prstGeom>
+          <a:noFill/>
+          <a:ln w="28575">
+            <a:solidFill>
+              <a:schemeClr val="tx1"/>
+            </a:solidFill>
+          </a:ln>
+        </p:spPr>
+        <p:style>
+          <a:lnRef idx="2">
+            <a:schemeClr val="accent1">
+              <a:shade val="15000"/>
+            </a:schemeClr>
+          </a:lnRef>
+          <a:fillRef idx="1">
+            <a:schemeClr val="accent1"/>
+          </a:fillRef>
+          <a:effectRef idx="0">
+            <a:schemeClr val="accent1"/>
+          </a:effectRef>
+          <a:fontRef idx="minor">
+            <a:schemeClr val="lt1"/>
+          </a:fontRef>
+        </p:style>
+        <p:txBody>
+          <a:bodyPr rtlCol="0" anchor="ctr"/>
+          <a:lstStyle/>
+          <a:p>
+            <a:pPr algn="ctr"/>
+            <a:endParaRPr lang="en-US"/>
+          </a:p>
+        </p:txBody>
+      </p:sp>
+      <p:sp>
+        <p:nvSpPr>
+          <p:cNvPr id="7" name="TextBox 6">
+            <a:extLst>
+              <a:ext uri="{FF2B5EF4-FFF2-40B4-BE49-F238E27FC236}">
+                <a16:creationId xmlns:a16="http://schemas.microsoft.com/office/drawing/2014/main" id="{ED9E768B-6750-EC23-0673-A5FAC62D7E48}"/>
+              </a:ext>
+            </a:extLst>
+          </p:cNvPr>
+          <p:cNvSpPr txBox="1"/>
+          <p:nvPr/>
+        </p:nvSpPr>
+        <p:spPr>
+          <a:xfrm>
+            <a:off x="106056" y="5653578"/>
+            <a:ext cx="3135411" cy="923330"/>
+          </a:xfrm>
+          <a:prstGeom prst="rect">
+            <a:avLst/>
+          </a:prstGeom>
+          <a:noFill/>
+        </p:spPr>
+        <p:txBody>
+          <a:bodyPr wrap="square" rtlCol="0">
+            <a:spAutoFit/>
+          </a:bodyPr>
+          <a:lstStyle/>
+          <a:p>
+            <a:pPr algn="ctr"/>
+            <a:r>
+              <a:rPr lang="en-US" dirty="0"/>
+              <a:t>b = 4.00 nm</a:t>
+            </a:r>
+          </a:p>
+          <a:p>
+            <a:pPr algn="ctr"/>
+            <a:r>
+              <a:rPr lang="en-US" dirty="0"/>
+              <a:t>Higher fraction of stiffer residues</a:t>
+            </a:r>
+          </a:p>
+        </p:txBody>
+      </p:sp>
+      <p:sp>
+        <p:nvSpPr>
+          <p:cNvPr id="8" name="TextBox 7">
+            <a:extLst>
+              <a:ext uri="{FF2B5EF4-FFF2-40B4-BE49-F238E27FC236}">
+                <a16:creationId xmlns:a16="http://schemas.microsoft.com/office/drawing/2014/main" id="{4A5B2C5C-990E-75E2-9130-4133FB05CC07}"/>
+              </a:ext>
+            </a:extLst>
+          </p:cNvPr>
+          <p:cNvSpPr txBox="1"/>
+          <p:nvPr/>
+        </p:nvSpPr>
+        <p:spPr>
+          <a:xfrm>
+            <a:off x="3711612" y="5653578"/>
+            <a:ext cx="2814694" cy="923330"/>
+          </a:xfrm>
+          <a:prstGeom prst="rect">
+            <a:avLst/>
+          </a:prstGeom>
+          <a:noFill/>
+        </p:spPr>
+        <p:txBody>
+          <a:bodyPr wrap="square" rtlCol="0">
+            <a:spAutoFit/>
+          </a:bodyPr>
+          <a:lstStyle/>
+          <a:p>
+            <a:pPr algn="ctr"/>
+            <a:r>
+              <a:rPr lang="en-US" dirty="0"/>
+              <a:t>b = 0.50 nm</a:t>
+            </a:r>
+          </a:p>
+          <a:p>
+            <a:pPr algn="ctr"/>
+            <a:r>
+              <a:rPr lang="en-US" dirty="0"/>
+              <a:t>Lower fraction of stiffer residues</a:t>
+            </a:r>
+          </a:p>
+        </p:txBody>
+      </p:sp>
+      <p:grpSp>
+        <p:nvGrpSpPr>
+          <p:cNvPr id="18" name="Group 17">
+            <a:extLst>
+              <a:ext uri="{FF2B5EF4-FFF2-40B4-BE49-F238E27FC236}">
+                <a16:creationId xmlns:a16="http://schemas.microsoft.com/office/drawing/2014/main" id="{444D21D6-E665-463F-BC5F-CBB91B67000F}"/>
+              </a:ext>
+            </a:extLst>
+          </p:cNvPr>
+          <p:cNvGrpSpPr/>
+          <p:nvPr/>
+        </p:nvGrpSpPr>
+        <p:grpSpPr>
+          <a:xfrm>
+            <a:off x="6806449" y="4198321"/>
+            <a:ext cx="5194191" cy="1823217"/>
+            <a:chOff x="6923855" y="4198321"/>
+            <a:chExt cx="5194191" cy="1823217"/>
+          </a:xfrm>
+        </p:grpSpPr>
+        <p:pic>
+          <p:nvPicPr>
+            <p:cNvPr id="6148" name="Picture 4">
+              <a:extLst>
+                <a:ext uri="{FF2B5EF4-FFF2-40B4-BE49-F238E27FC236}">
+                  <a16:creationId xmlns:a16="http://schemas.microsoft.com/office/drawing/2014/main" id="{BB58193F-6C17-05E6-E70E-8BFC1153C2C4}"/>
+                </a:ext>
+              </a:extLst>
+            </p:cNvPr>
+            <p:cNvPicPr>
+              <a:picLocks noChangeAspect="1" noChangeArrowheads="1"/>
+            </p:cNvPicPr>
+            <p:nvPr/>
+          </p:nvPicPr>
+          <p:blipFill rotWithShape="1">
+            <a:blip r:embed="rId3">
+              <a:extLst>
+                <a:ext uri="{28A0092B-C50C-407E-A947-70E740481C1C}">
+                  <a14:useLocalDpi xmlns:a14="http://schemas.microsoft.com/office/drawing/2010/main" val="0"/>
+                </a:ext>
+              </a:extLst>
+            </a:blip>
+            <a:srcRect l="43643" t="7843" r="42563" b="64302"/>
+            <a:stretch/>
+          </p:blipFill>
+          <p:spPr bwMode="auto">
+            <a:xfrm>
+              <a:off x="11147543" y="4223224"/>
+              <a:ext cx="970503" cy="1798314"/>
+            </a:xfrm>
+            <a:prstGeom prst="rect">
+              <a:avLst/>
+            </a:prstGeom>
+            <a:noFill/>
+            <a:extLst>
+              <a:ext uri="{909E8E84-426E-40DD-AFC4-6F175D3DCCD1}">
+                <a14:hiddenFill xmlns:a14="http://schemas.microsoft.com/office/drawing/2010/main">
+                  <a:solidFill>
+                    <a:srgbClr val="FFFFFF"/>
+                  </a:solidFill>
+                </a14:hiddenFill>
+              </a:ext>
+            </a:extLst>
+          </p:spPr>
+        </p:pic>
+        <p:pic>
+          <p:nvPicPr>
+            <p:cNvPr id="13" name="Picture 4">
+              <a:extLst>
+                <a:ext uri="{FF2B5EF4-FFF2-40B4-BE49-F238E27FC236}">
+                  <a16:creationId xmlns:a16="http://schemas.microsoft.com/office/drawing/2014/main" id="{BB2E4A57-850B-DEAD-A777-F1D30A462370}"/>
+                </a:ext>
+              </a:extLst>
+            </p:cNvPr>
+            <p:cNvPicPr>
+              <a:picLocks noChangeAspect="1" noChangeArrowheads="1"/>
+            </p:cNvPicPr>
+            <p:nvPr/>
+          </p:nvPicPr>
+          <p:blipFill rotWithShape="1">
+            <a:blip r:embed="rId3">
+              <a:extLst>
+                <a:ext uri="{28A0092B-C50C-407E-A947-70E740481C1C}">
+                  <a14:useLocalDpi xmlns:a14="http://schemas.microsoft.com/office/drawing/2010/main" val="0"/>
+                </a:ext>
+              </a:extLst>
+            </a:blip>
+            <a:srcRect l="4900" t="72145" r="84185" b="5324"/>
+            <a:stretch/>
+          </p:blipFill>
+          <p:spPr bwMode="auto">
+            <a:xfrm>
+              <a:off x="7777540" y="4208516"/>
+              <a:ext cx="767962" cy="1454596"/>
+            </a:xfrm>
+            <a:prstGeom prst="rect">
+              <a:avLst/>
+            </a:prstGeom>
+            <a:noFill/>
+            <a:extLst>
+              <a:ext uri="{909E8E84-426E-40DD-AFC4-6F175D3DCCD1}">
+                <a14:hiddenFill xmlns:a14="http://schemas.microsoft.com/office/drawing/2010/main">
+                  <a:solidFill>
+                    <a:srgbClr val="FFFFFF"/>
+                  </a:solidFill>
+                </a14:hiddenFill>
+              </a:ext>
+            </a:extLst>
+          </p:spPr>
+        </p:pic>
+        <p:pic>
+          <p:nvPicPr>
+            <p:cNvPr id="14" name="Picture 4">
+              <a:extLst>
+                <a:ext uri="{FF2B5EF4-FFF2-40B4-BE49-F238E27FC236}">
+                  <a16:creationId xmlns:a16="http://schemas.microsoft.com/office/drawing/2014/main" id="{B025B058-F1AD-DC06-B37F-3305F36FCDDC}"/>
+                </a:ext>
+              </a:extLst>
+            </p:cNvPr>
+            <p:cNvPicPr>
+              <a:picLocks noChangeAspect="1" noChangeArrowheads="1"/>
+            </p:cNvPicPr>
+            <p:nvPr/>
+          </p:nvPicPr>
+          <p:blipFill rotWithShape="1">
+            <a:blip r:embed="rId3">
+              <a:extLst>
+                <a:ext uri="{28A0092B-C50C-407E-A947-70E740481C1C}">
+                  <a14:useLocalDpi xmlns:a14="http://schemas.microsoft.com/office/drawing/2010/main" val="0"/>
+                </a:ext>
+              </a:extLst>
+            </a:blip>
+            <a:srcRect l="16055" t="72145" r="73389" b="5324"/>
+            <a:stretch/>
+          </p:blipFill>
+          <p:spPr bwMode="auto">
+            <a:xfrm>
+              <a:off x="8597795" y="4208517"/>
+              <a:ext cx="742646" cy="1454595"/>
+            </a:xfrm>
+            <a:prstGeom prst="rect">
+              <a:avLst/>
+            </a:prstGeom>
+            <a:noFill/>
+            <a:extLst>
+              <a:ext uri="{909E8E84-426E-40DD-AFC4-6F175D3DCCD1}">
+                <a14:hiddenFill xmlns:a14="http://schemas.microsoft.com/office/drawing/2010/main">
+                  <a:solidFill>
+                    <a:srgbClr val="FFFFFF"/>
+                  </a:solidFill>
+                </a14:hiddenFill>
+              </a:ext>
+            </a:extLst>
+          </p:spPr>
+        </p:pic>
+        <p:pic>
+          <p:nvPicPr>
+            <p:cNvPr id="15" name="Picture 4">
+              <a:extLst>
+                <a:ext uri="{FF2B5EF4-FFF2-40B4-BE49-F238E27FC236}">
+                  <a16:creationId xmlns:a16="http://schemas.microsoft.com/office/drawing/2014/main" id="{78E85DF5-1606-E380-85FC-C5BBC9EA3F8D}"/>
+                </a:ext>
+              </a:extLst>
+            </p:cNvPr>
+            <p:cNvPicPr>
+              <a:picLocks noChangeAspect="1" noChangeArrowheads="1"/>
+            </p:cNvPicPr>
+            <p:nvPr/>
+          </p:nvPicPr>
+          <p:blipFill rotWithShape="1">
+            <a:blip r:embed="rId3">
+              <a:extLst>
+                <a:ext uri="{28A0092B-C50C-407E-A947-70E740481C1C}">
+                  <a14:useLocalDpi xmlns:a14="http://schemas.microsoft.com/office/drawing/2010/main" val="0"/>
+                </a:ext>
+              </a:extLst>
+            </a:blip>
+            <a:srcRect l="72010" t="41961" r="16655" b="35947"/>
+            <a:stretch/>
+          </p:blipFill>
+          <p:spPr bwMode="auto">
+            <a:xfrm>
+              <a:off x="6923855" y="4198321"/>
+              <a:ext cx="797500" cy="1426217"/>
+            </a:xfrm>
+            <a:prstGeom prst="rect">
+              <a:avLst/>
+            </a:prstGeom>
+            <a:noFill/>
+            <a:extLst>
+              <a:ext uri="{909E8E84-426E-40DD-AFC4-6F175D3DCCD1}">
+                <a14:hiddenFill xmlns:a14="http://schemas.microsoft.com/office/drawing/2010/main">
+                  <a:solidFill>
+                    <a:srgbClr val="FFFFFF"/>
+                  </a:solidFill>
+                </a14:hiddenFill>
+              </a:ext>
+            </a:extLst>
+          </p:spPr>
+        </p:pic>
+        <p:pic>
+          <p:nvPicPr>
+            <p:cNvPr id="16" name="Picture 4">
+              <a:extLst>
+                <a:ext uri="{FF2B5EF4-FFF2-40B4-BE49-F238E27FC236}">
+                  <a16:creationId xmlns:a16="http://schemas.microsoft.com/office/drawing/2014/main" id="{EA91F9F7-903A-2379-FE02-265AD9795987}"/>
+                </a:ext>
+              </a:extLst>
+            </p:cNvPr>
+            <p:cNvPicPr>
+              <a:picLocks noChangeAspect="1" noChangeArrowheads="1"/>
+            </p:cNvPicPr>
+            <p:nvPr/>
+          </p:nvPicPr>
+          <p:blipFill rotWithShape="1">
+            <a:blip r:embed="rId3">
+              <a:extLst>
+                <a:ext uri="{28A0092B-C50C-407E-A947-70E740481C1C}">
+                  <a14:useLocalDpi xmlns:a14="http://schemas.microsoft.com/office/drawing/2010/main" val="0"/>
+                </a:ext>
+              </a:extLst>
+            </a:blip>
+            <a:srcRect l="83045" t="41699" r="6040" b="38431"/>
+            <a:stretch/>
+          </p:blipFill>
+          <p:spPr bwMode="auto">
+            <a:xfrm>
+              <a:off x="9392460" y="4198321"/>
+              <a:ext cx="767962" cy="1282751"/>
+            </a:xfrm>
+            <a:prstGeom prst="rect">
+              <a:avLst/>
+            </a:prstGeom>
+            <a:noFill/>
+            <a:extLst>
+              <a:ext uri="{909E8E84-426E-40DD-AFC4-6F175D3DCCD1}">
+                <a14:hiddenFill xmlns:a14="http://schemas.microsoft.com/office/drawing/2010/main">
+                  <a:solidFill>
+                    <a:srgbClr val="FFFFFF"/>
+                  </a:solidFill>
+                </a14:hiddenFill>
+              </a:ext>
+            </a:extLst>
+          </p:spPr>
+        </p:pic>
+        <p:pic>
+          <p:nvPicPr>
+            <p:cNvPr id="17" name="Picture 4">
+              <a:extLst>
+                <a:ext uri="{FF2B5EF4-FFF2-40B4-BE49-F238E27FC236}">
+                  <a16:creationId xmlns:a16="http://schemas.microsoft.com/office/drawing/2014/main" id="{C86FBE1B-AAA8-BB83-4F41-3AB5BC2B3A22}"/>
+                </a:ext>
+              </a:extLst>
+            </p:cNvPr>
+            <p:cNvPicPr>
+              <a:picLocks noChangeAspect="1" noChangeArrowheads="1"/>
+            </p:cNvPicPr>
+            <p:nvPr/>
+          </p:nvPicPr>
+          <p:blipFill rotWithShape="1">
+            <a:blip r:embed="rId3">
+              <a:extLst>
+                <a:ext uri="{28A0092B-C50C-407E-A947-70E740481C1C}">
+                  <a14:useLocalDpi xmlns:a14="http://schemas.microsoft.com/office/drawing/2010/main" val="0"/>
+                </a:ext>
+              </a:extLst>
+            </a:blip>
+            <a:srcRect l="72010" t="8366" r="15455" b="67974"/>
+            <a:stretch/>
+          </p:blipFill>
+          <p:spPr bwMode="auto">
+            <a:xfrm>
+              <a:off x="10213038" y="4223224"/>
+              <a:ext cx="881889" cy="1527487"/>
+            </a:xfrm>
+            <a:prstGeom prst="rect">
+              <a:avLst/>
+            </a:prstGeom>
+            <a:noFill/>
+            <a:extLst>
+              <a:ext uri="{909E8E84-426E-40DD-AFC4-6F175D3DCCD1}">
+                <a14:hiddenFill xmlns:a14="http://schemas.microsoft.com/office/drawing/2010/main">
+                  <a:solidFill>
+                    <a:srgbClr val="FFFFFF"/>
+                  </a:solidFill>
+                </a14:hiddenFill>
+              </a:ext>
+            </a:extLst>
+          </p:spPr>
+        </p:pic>
+      </p:grpSp>
+      <p:cxnSp>
+        <p:nvCxnSpPr>
+          <p:cNvPr id="20" name="Straight Arrow Connector 19">
+            <a:extLst>
+              <a:ext uri="{FF2B5EF4-FFF2-40B4-BE49-F238E27FC236}">
+                <a16:creationId xmlns:a16="http://schemas.microsoft.com/office/drawing/2014/main" id="{E5B1118D-41DD-6FD0-9A53-D47FE8A1F783}"/>
+              </a:ext>
+            </a:extLst>
+          </p:cNvPr>
+          <p:cNvCxnSpPr/>
+          <p:nvPr/>
+        </p:nvCxnSpPr>
+        <p:spPr>
+          <a:xfrm>
+            <a:off x="6806449" y="3992956"/>
+            <a:ext cx="5194191" cy="0"/>
+          </a:xfrm>
+          <a:prstGeom prst="straightConnector1">
+            <a:avLst/>
+          </a:prstGeom>
+          <a:ln w="19050">
+            <a:solidFill>
+              <a:schemeClr val="tx1"/>
+            </a:solidFill>
+            <a:tailEnd type="triangle"/>
+          </a:ln>
+        </p:spPr>
+        <p:style>
+          <a:lnRef idx="1">
+            <a:schemeClr val="accent1"/>
+          </a:lnRef>
+          <a:fillRef idx="0">
+            <a:schemeClr val="accent1"/>
+          </a:fillRef>
+          <a:effectRef idx="0">
+            <a:schemeClr val="accent1"/>
+          </a:effectRef>
+          <a:fontRef idx="minor">
+            <a:schemeClr val="tx1"/>
+          </a:fontRef>
+        </p:style>
+      </p:cxnSp>
+      <p:sp>
+        <p:nvSpPr>
+          <p:cNvPr id="21" name="TextBox 20">
+            <a:extLst>
+              <a:ext uri="{FF2B5EF4-FFF2-40B4-BE49-F238E27FC236}">
+                <a16:creationId xmlns:a16="http://schemas.microsoft.com/office/drawing/2014/main" id="{467D6BE6-A2E7-7BDC-97F4-EC83DD183973}"/>
+              </a:ext>
+            </a:extLst>
+          </p:cNvPr>
+          <p:cNvSpPr txBox="1"/>
+          <p:nvPr/>
+        </p:nvSpPr>
+        <p:spPr>
+          <a:xfrm>
+            <a:off x="10095632" y="3630705"/>
+            <a:ext cx="2177050" cy="369332"/>
+          </a:xfrm>
+          <a:prstGeom prst="rect">
+            <a:avLst/>
+          </a:prstGeom>
+          <a:noFill/>
+        </p:spPr>
+        <p:txBody>
+          <a:bodyPr wrap="square" rtlCol="0">
+            <a:spAutoFit/>
+          </a:bodyPr>
+          <a:lstStyle/>
+          <a:p>
+            <a:r>
+              <a:rPr lang="en-US" dirty="0"/>
+              <a:t>Increasing stiffness</a:t>
+            </a:r>
+          </a:p>
+        </p:txBody>
+      </p:sp>
+    </p:spTree>
+    <p:extLst>
+      <p:ext uri="{BB962C8B-B14F-4D97-AF65-F5344CB8AC3E}">
+        <p14:creationId xmlns:p14="http://schemas.microsoft.com/office/powerpoint/2010/main" val="764663589"/>
+      </p:ext>
+    </p:extLst>
+  </p:cSld>
+  <p:clrMapOvr>
+    <a:masterClrMapping/>
+  </p:clrMapOvr>
+</p:sld>
+</file>
+
 <file path=ppt/slides/slide2.xml><?xml version="1.0" encoding="utf-8"?>
 <p:sld xmlns:a="http://schemas.openxmlformats.org/drawingml/2006/main" xmlns:r="http://schemas.openxmlformats.org/officeDocument/2006/relationships" xmlns:p="http://schemas.openxmlformats.org/presentationml/2006/main">
   <p:cSld>
